--- a/draft-gandhi-spring-twamp-srpm-08.pptx
+++ b/draft-gandhi-spring-twamp-srpm-08.pptx
@@ -14,7 +14,7 @@
     <p:sldId id="256" r:id="rId2"/>
     <p:sldId id="299" r:id="rId3"/>
     <p:sldId id="315" r:id="rId4"/>
-    <p:sldId id="1653" r:id="rId5"/>
+    <p:sldId id="1661" r:id="rId5"/>
     <p:sldId id="317" r:id="rId6"/>
     <p:sldId id="1660" r:id="rId7"/>
     <p:sldId id="326" r:id="rId8"/>
@@ -1317,7 +1317,7 @@
     </p:spTree>
     <p:extLst>
       <p:ext uri="{BB962C8B-B14F-4D97-AF65-F5344CB8AC3E}">
-        <p14:creationId xmlns:p14="http://schemas.microsoft.com/office/powerpoint/2010/main" val="2721111541"/>
+        <p14:creationId xmlns:p14="http://schemas.microsoft.com/office/powerpoint/2010/main" val="426452747"/>
       </p:ext>
     </p:extLst>
   </p:cSld>
@@ -9546,7 +9546,7 @@
         <p:spPr>
           <a:xfrm>
             <a:off x="457200" y="831574"/>
-            <a:ext cx="8229600" cy="3645176"/>
+            <a:ext cx="8229600" cy="3416576"/>
           </a:xfrm>
         </p:spPr>
         <p:txBody>
@@ -9568,6 +9568,19 @@
           <a:p>
             <a:r>
               <a:rPr lang="en-US" sz="1100" dirty="0"/>
+              <a:t>May 2019</a:t>
+            </a:r>
+          </a:p>
+          <a:p>
+            <a:pPr lvl="1"/>
+            <a:r>
+              <a:rPr lang="en-US" sz="1100" dirty="0"/>
+              <a:t>Added STAMP TLV for Return Path </a:t>
+            </a:r>
+          </a:p>
+          <a:p>
+            <a:r>
+              <a:rPr lang="en-US" sz="1100" dirty="0"/>
               <a:t>Mar 2019</a:t>
             </a:r>
           </a:p>
@@ -9594,24 +9607,12 @@
           <a:p>
             <a:pPr lvl="2"/>
             <a:r>
-              <a:rPr lang="en-US" sz="1100" b="1" dirty="0"/>
+              <a:rPr lang="en-US" sz="1100" dirty="0"/>
               <a:t>Slide 9 Titled - </a:t>
             </a:r>
             <a:r>
-              <a:rPr lang="en-CA" sz="1100" b="1" dirty="0"/>
+              <a:rPr lang="en-CA" sz="1100" dirty="0"/>
               <a:t>Applicability of STAMP – STAMP is supported</a:t>
-            </a:r>
-            <a:endParaRPr lang="en-US" sz="1100" b="1" dirty="0"/>
-          </a:p>
-          <a:p>
-            <a:pPr lvl="2"/>
-            <a:r>
-              <a:rPr lang="en-US" sz="1100" dirty="0"/>
-              <a:t>Draft contained STAMP TLV extensions (Return Path TLV) (Section </a:t>
-            </a:r>
-            <a:r>
-              <a:rPr lang="en-CA" sz="1100" dirty="0"/>
-              <a:t>3.2.2.1. Return Path TLV)</a:t>
             </a:r>
             <a:endParaRPr lang="en-US" sz="1100" dirty="0"/>
           </a:p>
@@ -9625,15 +9626,7 @@
             <a:pPr lvl="1"/>
             <a:r>
               <a:rPr lang="en-US" sz="1100" dirty="0"/>
-              <a:t>Revision-02 updates included a section on STAMP support and STAMP LM messages (Section </a:t>
-            </a:r>
-            <a:r>
-              <a:rPr lang="en-CA" sz="1100" dirty="0"/>
-              <a:t>3.2. STAMP Applicability</a:t>
-            </a:r>
-            <a:r>
-              <a:rPr lang="en-US" sz="1100" dirty="0"/>
-              <a:t>)</a:t>
+              <a:t>Revision-02 updates included a section STAMP LM messages</a:t>
             </a:r>
           </a:p>
           <a:p>
@@ -9753,7 +9746,7 @@
     </p:spTree>
     <p:extLst>
       <p:ext uri="{BB962C8B-B14F-4D97-AF65-F5344CB8AC3E}">
-        <p14:creationId xmlns:p14="http://schemas.microsoft.com/office/powerpoint/2010/main" val="2409035725"/>
+        <p14:creationId xmlns:p14="http://schemas.microsoft.com/office/powerpoint/2010/main" val="283095381"/>
       </p:ext>
     </p:extLst>
   </p:cSld>

--- a/draft-gandhi-spring-twamp-srpm-08.pptx
+++ b/draft-gandhi-spring-twamp-srpm-08.pptx
@@ -260,7 +260,7 @@
           <a:p>
             <a:fld id="{E8FA3DB5-7722-3F4F-947D-12B203669AD7}" type="datetimeFigureOut">
               <a:rPr lang="en-US" smtClean="0"/>
-              <a:t>3/23/20</a:t>
+              <a:t>3/30/20</a:t>
             </a:fld>
             <a:endParaRPr lang="en-US"/>
           </a:p>
@@ -6540,7 +6540,7 @@
                 <a:ea typeface="Courier" charset="0"/>
                 <a:cs typeface="Courier" charset="0"/>
               </a:rPr>
-              <a:t>|   Message for LM                                              |</a:t>
+              <a:t>|   Message for DM or LM                                        |</a:t>
             </a:r>
           </a:p>
           <a:p>
@@ -6670,7 +6670,7 @@
                 <a:ea typeface="Courier" charset="0"/>
                 <a:cs typeface="Courier" charset="0"/>
               </a:rPr>
-              <a:t>|   Message for LM                                              |</a:t>
+              <a:t>|   Message for DM or LM                                        |</a:t>
             </a:r>
           </a:p>
           <a:p>
@@ -7441,14 +7441,14 @@
           <a:p>
             <a:pPr algn="l"/>
             <a:r>
-              <a:rPr lang="en-US" sz="3200" dirty="0">
+              <a:rPr lang="en-US" sz="2800" dirty="0">
                 <a:solidFill>
                   <a:srgbClr val="0070C0"/>
                 </a:solidFill>
                 <a:latin typeface="Calibri Light" panose="020F0302020204030204" pitchFamily="34" charset="0"/>
                 <a:cs typeface="Calibri Light" panose="020F0302020204030204" pitchFamily="34" charset="0"/>
               </a:rPr>
-              <a:t>LM Message Format for TWAMP Light</a:t>
+              <a:t>Stand-alone LM Message Format for TWAMP Light</a:t>
             </a:r>
           </a:p>
         </p:txBody>
@@ -7740,7 +7740,7 @@
                 <a:ea typeface="Courier" charset="0"/>
                 <a:cs typeface="Courier New" panose="02070309020205020404" pitchFamily="49" charset="0"/>
               </a:rPr>
-              <a:t>User-configured Port for Loss Measurement </a:t>
+              <a:t>User-configured Port2 for Loss Measurement</a:t>
             </a:r>
             <a:r>
               <a:rPr lang="en-CA" sz="800" dirty="0">
@@ -8468,7 +8468,7 @@
                   <a:schemeClr val="tx2"/>
                 </a:solidFill>
               </a:rPr>
-              <a:t>Does not modify existing TWAMP Light  (which is for DM) as different UDP destination port is used for LM.</a:t>
+              <a:t>Does not modify existing TWAMP Light  (which is for DM) procedure as different UDP destination port2 is used for LM.</a:t>
             </a:r>
           </a:p>
         </p:txBody>
@@ -9362,7 +9362,7 @@
             </a:pPr>
             <a:r>
               <a:rPr lang="en-US" sz="1400" dirty="0"/>
-              <a:t>Support direct-mode loss measurement</a:t>
+              <a:t>Support stand-alone direct-mode loss measurement</a:t>
             </a:r>
           </a:p>
           <a:p>
@@ -9562,7 +9562,11 @@
             <a:pPr lvl="1"/>
             <a:r>
               <a:rPr lang="en-US" sz="1100" dirty="0"/>
-              <a:t>Draft was first published</a:t>
+              <a:t>Draft was first published - </a:t>
+            </a:r>
+            <a:r>
+              <a:rPr lang="en-US" sz="1100" i="1" dirty="0"/>
+              <a:t>draft-gandhi-spring-twamp-srpm-00</a:t>
             </a:r>
           </a:p>
           <a:p>
@@ -9626,7 +9630,7 @@
             <a:pPr lvl="1"/>
             <a:r>
               <a:rPr lang="en-US" sz="1100" dirty="0"/>
-              <a:t>Revision-02 updates included a section STAMP LM messages</a:t>
+              <a:t>Revision-02 updates included a section stand-alone LM messages</a:t>
             </a:r>
           </a:p>
           <a:p>
@@ -9659,7 +9663,7 @@
             <a:pPr lvl="1"/>
             <a:r>
               <a:rPr lang="en-US" sz="1100" dirty="0"/>
-              <a:t>Moved STAMP support to a new draft – </a:t>
+              <a:t>Moved STAMP support to </a:t>
             </a:r>
             <a:r>
               <a:rPr lang="en-US" sz="1100" i="1" dirty="0"/>

--- a/draft-gandhi-spring-twamp-srpm-08.pptx
+++ b/draft-gandhi-spring-twamp-srpm-08.pptx
@@ -5624,7 +5624,7 @@
         </p:nvSpPr>
         <p:spPr>
           <a:xfrm>
-            <a:off x="1066800" y="843776"/>
+            <a:off x="1066800" y="983711"/>
             <a:ext cx="7010400" cy="3416320"/>
           </a:xfrm>
           <a:prstGeom prst="rect">
@@ -5846,7 +5846,7 @@
                 <a:latin typeface="Calibri Light" panose="020F0302020204030204" pitchFamily="34" charset="0"/>
                 <a:cs typeface="Calibri Light" panose="020F0302020204030204" pitchFamily="34" charset="0"/>
               </a:rPr>
-              <a:t>Probe Query Message</a:t>
+              <a:t>Probe Query for Links</a:t>
             </a:r>
           </a:p>
         </p:txBody>
@@ -5901,8 +5901,8 @@
         </p:nvSpPr>
         <p:spPr>
           <a:xfrm>
-            <a:off x="266700" y="742950"/>
-            <a:ext cx="8610600" cy="1102908"/>
+            <a:off x="533400" y="766665"/>
+            <a:ext cx="8229600" cy="857250"/>
           </a:xfrm>
         </p:spPr>
         <p:txBody>
@@ -5911,12 +5911,6 @@
           <a:p>
             <a:r>
               <a:rPr lang="en-US" sz="1400" dirty="0"/>
-              <a:t>PM probe query message sent for Links and End-to-end P2P/ P2MP SR Policies.</a:t>
-            </a:r>
-          </a:p>
-          <a:p>
-            <a:r>
-              <a:rPr lang="en-US" sz="1400" dirty="0"/>
               <a:t>User-configured destination UDP </a:t>
             </a:r>
             <a:r>
@@ -5939,7 +5933,7 @@
           <a:p>
             <a:r>
               <a:rPr lang="en-US" sz="1400" dirty="0"/>
-              <a:t>For DM, payload contains RFC 5357 (TWAMP Light) defined probe message as shown below.</a:t>
+              <a:t>For DM, payload contains RFC 5357 (TWAMP Light) defined probe message.</a:t>
             </a:r>
           </a:p>
           <a:p>
@@ -5955,8 +5949,8 @@
         </p:nvSpPr>
         <p:spPr>
           <a:xfrm>
-            <a:off x="2247900" y="1954173"/>
-            <a:ext cx="4648200" cy="2585323"/>
+            <a:off x="1971675" y="1685436"/>
+            <a:ext cx="5200650" cy="3016210"/>
           </a:xfrm>
           <a:prstGeom prst="rect">
             <a:avLst/>
@@ -5980,7 +5974,7 @@
               </a:spcAft>
             </a:pPr>
             <a:r>
-              <a:rPr lang="en-US" sz="900" dirty="0">
+              <a:rPr lang="en-US" sz="1000" dirty="0">
                 <a:latin typeface="Courier" pitchFamily="2" charset="0"/>
                 <a:ea typeface="Courier" charset="0"/>
                 <a:cs typeface="Courier" charset="0"/>
@@ -5995,7 +5989,7 @@
               </a:spcAft>
             </a:pPr>
             <a:r>
-              <a:rPr lang="en-US" sz="900" dirty="0">
+              <a:rPr lang="en-US" sz="1000" dirty="0">
                 <a:latin typeface="Courier" pitchFamily="2" charset="0"/>
                 <a:ea typeface="Courier" charset="0"/>
                 <a:cs typeface="Courier" charset="0"/>
@@ -6010,7 +6004,7 @@
               </a:spcAft>
             </a:pPr>
             <a:r>
-              <a:rPr lang="en-US" sz="900" dirty="0">
+              <a:rPr lang="en-US" sz="1000" dirty="0">
                 <a:latin typeface="Courier" pitchFamily="2" charset="0"/>
                 <a:ea typeface="Courier" charset="0"/>
                 <a:cs typeface="Courier" charset="0"/>
@@ -6025,7 +6019,7 @@
               </a:spcAft>
             </a:pPr>
             <a:r>
-              <a:rPr lang="en-US" sz="900" dirty="0">
+              <a:rPr lang="en-US" sz="1000" dirty="0">
                 <a:latin typeface="Courier" pitchFamily="2" charset="0"/>
                 <a:ea typeface="Courier" charset="0"/>
                 <a:cs typeface="Courier" charset="0"/>
@@ -6040,7 +6034,7 @@
               </a:spcAft>
             </a:pPr>
             <a:r>
-              <a:rPr lang="en-US" sz="900" dirty="0">
+              <a:rPr lang="en-US" sz="1000" dirty="0">
                 <a:latin typeface="Courier" pitchFamily="2" charset="0"/>
                 <a:ea typeface="Courier" charset="0"/>
                 <a:cs typeface="Courier" charset="0"/>
@@ -6055,7 +6049,7 @@
               </a:spcAft>
             </a:pPr>
             <a:r>
-              <a:rPr lang="en-US" sz="900" dirty="0">
+              <a:rPr lang="en-US" sz="1000" dirty="0">
                 <a:latin typeface="Courier" pitchFamily="2" charset="0"/>
                 <a:ea typeface="Courier" charset="0"/>
                 <a:cs typeface="Courier" charset="0"/>
@@ -6070,7 +6064,7 @@
               </a:spcAft>
             </a:pPr>
             <a:r>
-              <a:rPr lang="en-US" sz="900" dirty="0">
+              <a:rPr lang="en-US" sz="1000" dirty="0">
                 <a:latin typeface="Courier" pitchFamily="2" charset="0"/>
                 <a:ea typeface="Courier" charset="0"/>
                 <a:cs typeface="Courier" charset="0"/>
@@ -6085,7 +6079,7 @@
               </a:spcAft>
             </a:pPr>
             <a:r>
-              <a:rPr lang="en-US" sz="900" dirty="0">
+              <a:rPr lang="en-US" sz="1000" dirty="0">
                 <a:latin typeface="Courier" pitchFamily="2" charset="0"/>
                 <a:ea typeface="Courier" charset="0"/>
                 <a:cs typeface="Courier" charset="0"/>
@@ -6100,7 +6094,7 @@
               </a:spcAft>
             </a:pPr>
             <a:r>
-              <a:rPr lang="en-US" sz="900" dirty="0">
+              <a:rPr lang="en-US" sz="1000" dirty="0">
                 <a:latin typeface="Courier" pitchFamily="2" charset="0"/>
                 <a:ea typeface="Courier" charset="0"/>
                 <a:cs typeface="Courier" charset="0"/>
@@ -6115,7 +6109,7 @@
               </a:spcAft>
             </a:pPr>
             <a:r>
-              <a:rPr lang="en-US" sz="900" dirty="0">
+              <a:rPr lang="en-US" sz="1000" dirty="0">
                 <a:latin typeface="Courier" pitchFamily="2" charset="0"/>
                 <a:ea typeface="Courier" charset="0"/>
                 <a:cs typeface="Courier" charset="0"/>
@@ -6123,7 +6117,7 @@
               <a:t>.  Destination Port = </a:t>
             </a:r>
             <a:r>
-              <a:rPr lang="en-US" sz="900" dirty="0">
+              <a:rPr lang="en-US" sz="1000" dirty="0">
                 <a:solidFill>
                   <a:srgbClr val="0070C0"/>
                 </a:solidFill>
@@ -6134,7 +6128,7 @@
               <a:t>User-configured Port for Delay Measurement</a:t>
             </a:r>
             <a:r>
-              <a:rPr lang="en-US" sz="900" dirty="0">
+              <a:rPr lang="en-US" sz="1000" dirty="0">
                 <a:latin typeface="Courier" pitchFamily="2" charset="0"/>
                 <a:ea typeface="Courier" charset="0"/>
                 <a:cs typeface="Courier" charset="0"/>
@@ -6149,7 +6143,7 @@
               </a:spcAft>
             </a:pPr>
             <a:r>
-              <a:rPr lang="en-US" sz="900" dirty="0">
+              <a:rPr lang="en-US" sz="1000" dirty="0">
                 <a:latin typeface="Courier" pitchFamily="2" charset="0"/>
                 <a:ea typeface="Courier" charset="0"/>
                 <a:cs typeface="Courier" charset="0"/>
@@ -6164,7 +6158,7 @@
               </a:spcAft>
             </a:pPr>
             <a:r>
-              <a:rPr lang="en-US" sz="900" dirty="0">
+              <a:rPr lang="en-US" sz="1000" dirty="0">
                 <a:latin typeface="Courier" pitchFamily="2" charset="0"/>
                 <a:ea typeface="Courier" charset="0"/>
                 <a:cs typeface="Courier" charset="0"/>
@@ -6179,12 +6173,12 @@
               </a:spcAft>
             </a:pPr>
             <a:r>
-              <a:rPr lang="en-US" sz="900" dirty="0">
+              <a:rPr lang="en-US" sz="1000" dirty="0">
                 <a:latin typeface="Courier" pitchFamily="2" charset="0"/>
                 <a:ea typeface="Courier" charset="0"/>
                 <a:cs typeface="Courier" charset="0"/>
               </a:rPr>
-              <a:t>| Payload = Message as specified in Section 4.2.1 of RFC 5357   |</a:t>
+              <a:t>| Payload = DM Message as specified in Section 4.2.1 of RFC 5357|</a:t>
             </a:r>
           </a:p>
           <a:p>
@@ -6194,12 +6188,12 @@
               </a:spcAft>
             </a:pPr>
             <a:r>
-              <a:rPr lang="en-US" sz="900" dirty="0">
+              <a:rPr lang="en-US" sz="1000" dirty="0">
                 <a:latin typeface="Courier" pitchFamily="2" charset="0"/>
                 <a:ea typeface="Courier" charset="0"/>
                 <a:cs typeface="Courier" charset="0"/>
               </a:rPr>
-              <a:t>. Payload = Message as specified in Section 4.1.2 of RFC 5357   .</a:t>
+              <a:t>. Payload = DM Message as specified in Section 4.1.2 of RFC 5357.</a:t>
             </a:r>
           </a:p>
           <a:p>
@@ -6209,12 +6203,12 @@
               </a:spcAft>
             </a:pPr>
             <a:r>
-              <a:rPr lang="en-US" sz="900" dirty="0">
+              <a:rPr lang="en-US" sz="1000" dirty="0">
                 <a:latin typeface="Courier" pitchFamily="2" charset="0"/>
                 <a:ea typeface="Courier" charset="0"/>
                 <a:cs typeface="Courier" charset="0"/>
               </a:rPr>
-              <a:t>.                                                               .</a:t>
+              <a:t>. Payload = LM Message as specified in this document            .</a:t>
             </a:r>
           </a:p>
           <a:p>
@@ -6224,12 +6218,12 @@
               </a:spcAft>
             </a:pPr>
             <a:r>
-              <a:rPr lang="en-US" sz="900" dirty="0">
+              <a:rPr lang="en-US" sz="1000" dirty="0">
                 <a:latin typeface="Courier" pitchFamily="2" charset="0"/>
                 <a:ea typeface="Courier" charset="0"/>
                 <a:cs typeface="Courier" charset="0"/>
               </a:rPr>
-              <a:t>+---------------------------------------------------------------+</a:t>
+              <a:t>.                                                               .</a:t>
             </a:r>
           </a:p>
           <a:p>
@@ -6238,7 +6232,22 @@
                 <a:spcPts val="0"/>
               </a:spcAft>
             </a:pPr>
-            <a:endParaRPr lang="en-US" sz="900" dirty="0">
+            <a:r>
+              <a:rPr lang="en-US" sz="1000" dirty="0">
+                <a:latin typeface="Courier" pitchFamily="2" charset="0"/>
+                <a:ea typeface="Courier" charset="0"/>
+                <a:cs typeface="Courier" charset="0"/>
+              </a:rPr>
+              <a:t>+---------------------------------------------------------------+</a:t>
+            </a:r>
+          </a:p>
+          <a:p>
+            <a:pPr>
+              <a:spcAft>
+                <a:spcPts val="0"/>
+              </a:spcAft>
+            </a:pPr>
+            <a:endParaRPr lang="en-US" sz="1000" dirty="0">
               <a:latin typeface="Courier" pitchFamily="2" charset="0"/>
               <a:ea typeface="Courier" charset="0"/>
               <a:cs typeface="Courier" charset="0"/>
@@ -6251,14 +6260,14 @@
               </a:spcAft>
             </a:pPr>
             <a:r>
-              <a:rPr lang="en-CA" sz="900" dirty="0">
+              <a:rPr lang="en-CA" sz="1000" dirty="0">
                 <a:latin typeface="Courier" pitchFamily="2" charset="0"/>
                 <a:ea typeface="Courier" charset="0"/>
                 <a:cs typeface="Courier" charset="0"/>
               </a:rPr>
-              <a:t>                   Figure: DM Probe Query Message</a:t>
-            </a:r>
-            <a:endParaRPr lang="en-US" sz="900" dirty="0">
+              <a:t>                   Figure: Probe Query Message</a:t>
+            </a:r>
+            <a:endParaRPr lang="en-US" sz="1000" dirty="0">
               <a:latin typeface="Courier" pitchFamily="2" charset="0"/>
               <a:ea typeface="Courier" charset="0"/>
               <a:cs typeface="Courier" charset="0"/>
@@ -6948,19 +6957,8 @@
             </a:r>
             <a:r>
               <a:rPr lang="en-US" sz="1600" dirty="0"/>
-              <a:t>] with SID list for SRv6 Policies </a:t>
-            </a:r>
-          </a:p>
-          <a:p>
-            <a:pPr lvl="1">
-              <a:buFont typeface="Arial" panose="020B0604020202020204" pitchFamily="34" charset="0"/>
-              <a:buChar char="•"/>
-            </a:pPr>
-            <a:r>
-              <a:rPr lang="en-US" sz="1600" dirty="0"/>
-              <a:t>END.OTP (for DM) or END.OP (for LM) for target SID for SRv6 Policies</a:t>
-            </a:r>
-            <a:endParaRPr lang="en-US" sz="1600" kern="0" dirty="0"/>
+              <a:t>] with SID list for SRv6 Policies</a:t>
+            </a:r>
           </a:p>
         </p:txBody>
       </p:sp>
@@ -9546,7 +9544,7 @@
         <p:spPr>
           <a:xfrm>
             <a:off x="457200" y="831574"/>
-            <a:ext cx="8229600" cy="3416576"/>
+            <a:ext cx="8229600" cy="3568976"/>
           </a:xfrm>
         </p:spPr>
         <p:txBody>
@@ -9675,7 +9673,34 @@
             </a:r>
             <a:r>
               <a:rPr lang="en-US" sz="1100" i="1" dirty="0"/>
-              <a:t>--spring-stamp-srpm-00</a:t>
+              <a:t>--spring-</a:t>
+            </a:r>
+            <a:r>
+              <a:rPr lang="en-US" sz="1100" b="1" i="1" dirty="0"/>
+              <a:t>stamp</a:t>
+            </a:r>
+            <a:r>
+              <a:rPr lang="en-US" sz="1100" i="1" dirty="0"/>
+              <a:t>-srpm-00</a:t>
+            </a:r>
+          </a:p>
+          <a:p>
+            <a:pPr lvl="1"/>
+            <a:r>
+              <a:rPr lang="en-US" sz="1100" dirty="0"/>
+              <a:t>Scope TWAMP Light support as informational in </a:t>
+            </a:r>
+            <a:r>
+              <a:rPr lang="en-US" sz="1100" i="1" dirty="0"/>
+              <a:t>draft-gandhi-spring-</a:t>
+            </a:r>
+            <a:r>
+              <a:rPr lang="en-US" sz="1100" b="1" i="1" dirty="0"/>
+              <a:t>twamp</a:t>
+            </a:r>
+            <a:r>
+              <a:rPr lang="en-US" sz="1100" i="1" dirty="0"/>
+              <a:t>-srpm-08 </a:t>
             </a:r>
           </a:p>
         </p:txBody>

--- a/draft-gandhi-spring-twamp-srpm-08.pptx
+++ b/draft-gandhi-spring-twamp-srpm-08.pptx
@@ -5901,8 +5901,8 @@
         </p:nvSpPr>
         <p:spPr>
           <a:xfrm>
-            <a:off x="533400" y="766665"/>
-            <a:ext cx="8229600" cy="857250"/>
+            <a:off x="609600" y="828186"/>
+            <a:ext cx="7924800" cy="857250"/>
           </a:xfrm>
         </p:spPr>
         <p:txBody>
@@ -5931,12 +5931,9 @@
             </a:r>
           </a:p>
           <a:p>
-            <a:r>
-              <a:rPr lang="en-US" sz="1400" dirty="0"/>
-              <a:t>For DM, payload contains RFC 5357 (TWAMP Light) defined probe message.</a:t>
-            </a:r>
-          </a:p>
-          <a:p>
+            <a:pPr marL="0" indent="0">
+              <a:buNone/>
+            </a:pPr>
             <a:endParaRPr lang="en-US" sz="1400" dirty="0"/>
           </a:p>
         </p:txBody>
@@ -5949,7 +5946,7 @@
         </p:nvSpPr>
         <p:spPr>
           <a:xfrm>
-            <a:off x="1971675" y="1685436"/>
+            <a:off x="1971675" y="1624252"/>
             <a:ext cx="5200650" cy="3016210"/>
           </a:xfrm>
           <a:prstGeom prst="rect">
@@ -6125,7 +6122,7 @@
                 <a:ea typeface="Courier" charset="0"/>
                 <a:cs typeface="Courier" charset="0"/>
               </a:rPr>
-              <a:t>User-configured Port for Delay Measurement</a:t>
+              <a:t>User-configured Port                      </a:t>
             </a:r>
             <a:r>
               <a:rPr lang="en-US" sz="1000" dirty="0">

--- a/draft-gandhi-spring-twamp-srpm-08.pptx
+++ b/draft-gandhi-spring-twamp-srpm-08.pptx
@@ -6412,7 +6412,7 @@
         <p:spPr>
           <a:xfrm>
             <a:off x="4191000" y="243334"/>
-            <a:ext cx="4724400" cy="4247317"/>
+            <a:ext cx="4724400" cy="2308324"/>
           </a:xfrm>
           <a:prstGeom prst="rect">
             <a:avLst/>
@@ -6546,7 +6546,7 @@
                 <a:ea typeface="Courier" charset="0"/>
                 <a:cs typeface="Courier" charset="0"/>
               </a:rPr>
-              <a:t>|   Message for DM or LM                                        |</a:t>
+              <a:t>|   Message for DM or LM Query                                  |</a:t>
             </a:r>
           </a:p>
           <a:p>
@@ -6587,146 +6587,6 @@
                 <a:cs typeface="Courier" charset="0"/>
               </a:rPr>
               <a:t>         Figure: Probe Query Message for SR-MPLS Policy</a:t>
-            </a:r>
-          </a:p>
-          <a:p>
-            <a:r>
-              <a:rPr lang="en-US" sz="900" dirty="0">
-                <a:latin typeface="Courier" charset="0"/>
-                <a:ea typeface="Courier" charset="0"/>
-                <a:cs typeface="Courier" charset="0"/>
-              </a:rPr>
-              <a:t> </a:t>
-            </a:r>
-          </a:p>
-          <a:p>
-            <a:r>
-              <a:rPr lang="en-US" sz="900" dirty="0">
-                <a:latin typeface="Courier" charset="0"/>
-                <a:ea typeface="Courier" charset="0"/>
-                <a:cs typeface="Courier" charset="0"/>
-              </a:rPr>
-              <a:t> </a:t>
-            </a:r>
-          </a:p>
-          <a:p>
-            <a:r>
-              <a:rPr lang="en-US" sz="900" dirty="0">
-                <a:latin typeface="Courier" charset="0"/>
-                <a:ea typeface="Courier" charset="0"/>
-                <a:cs typeface="Courier" charset="0"/>
-              </a:rPr>
-              <a:t>0                   1                   2                   3</a:t>
-            </a:r>
-          </a:p>
-          <a:p>
-            <a:r>
-              <a:rPr lang="en-US" sz="900" dirty="0">
-                <a:latin typeface="Courier" charset="0"/>
-                <a:ea typeface="Courier" charset="0"/>
-                <a:cs typeface="Courier" charset="0"/>
-              </a:rPr>
-              <a:t>0 1 2 3 4 5 6 7 8 9 0 1 2 3 4 5 6 7 8 9 0 1 2 3 4 5 6 7 8 9 0 1</a:t>
-            </a:r>
-          </a:p>
-          <a:p>
-            <a:r>
-              <a:rPr lang="en-US" sz="900" dirty="0">
-                <a:latin typeface="Courier" charset="0"/>
-                <a:ea typeface="Courier" charset="0"/>
-                <a:cs typeface="Courier" charset="0"/>
-              </a:rPr>
-              <a:t>+-+-+-+-+-+-+-+-+-+-+-+-+-+-+-+-+-+-+-+-+-+-+-+-+-+-+-+-+-+-+-+-+</a:t>
-            </a:r>
-          </a:p>
-          <a:p>
-            <a:r>
-              <a:rPr lang="en-US" sz="900" dirty="0">
-                <a:latin typeface="Courier" charset="0"/>
-                <a:ea typeface="Courier" charset="0"/>
-                <a:cs typeface="Courier" charset="0"/>
-              </a:rPr>
-              <a:t>|                           SRH                                 |</a:t>
-            </a:r>
-          </a:p>
-          <a:p>
-            <a:r>
-              <a:rPr lang="en-US" sz="900" dirty="0">
-                <a:latin typeface="Courier" charset="0"/>
-                <a:ea typeface="Courier" charset="0"/>
-                <a:cs typeface="Courier" charset="0"/>
-              </a:rPr>
-              <a:t>.                                                               .</a:t>
-            </a:r>
-          </a:p>
-          <a:p>
-            <a:r>
-              <a:rPr lang="en-US" sz="900" dirty="0">
-                <a:latin typeface="Courier" charset="0"/>
-                <a:ea typeface="Courier" charset="0"/>
-                <a:cs typeface="Courier" charset="0"/>
-              </a:rPr>
-              <a:t>+-+-+-+-+-+-+-+-+-+-+-+-+-+-+-+-+-+-+-+-+-+-+-+-+-+-+-+-+-+-+-+-+</a:t>
-            </a:r>
-          </a:p>
-          <a:p>
-            <a:r>
-              <a:rPr lang="en-US" sz="900" dirty="0">
-                <a:latin typeface="Courier" charset="0"/>
-                <a:ea typeface="Courier" charset="0"/>
-                <a:cs typeface="Courier" charset="0"/>
-              </a:rPr>
-              <a:t>|   Message for DM or LM                                        |</a:t>
-            </a:r>
-          </a:p>
-          <a:p>
-            <a:r>
-              <a:rPr lang="en-US" sz="900" dirty="0">
-                <a:latin typeface="Courier" charset="0"/>
-                <a:ea typeface="Courier" charset="0"/>
-                <a:cs typeface="Courier" charset="0"/>
-              </a:rPr>
-              <a:t>.   (Using IPv6 Addresses)                                      .</a:t>
-            </a:r>
-          </a:p>
-          <a:p>
-            <a:r>
-              <a:rPr lang="en-US" sz="900" dirty="0">
-                <a:latin typeface="Courier" charset="0"/>
-                <a:ea typeface="Courier" charset="0"/>
-                <a:cs typeface="Courier" charset="0"/>
-              </a:rPr>
-              <a:t>.                                                               .</a:t>
-            </a:r>
-          </a:p>
-          <a:p>
-            <a:r>
-              <a:rPr lang="en-US" sz="900" dirty="0">
-                <a:latin typeface="Courier" charset="0"/>
-                <a:ea typeface="Courier" charset="0"/>
-                <a:cs typeface="Courier" charset="0"/>
-              </a:rPr>
-              <a:t>+---------------------------------------------------------------+</a:t>
-            </a:r>
-          </a:p>
-          <a:p>
-            <a:r>
-              <a:rPr lang="en-US" sz="900" dirty="0">
-                <a:latin typeface="Courier" charset="0"/>
-                <a:ea typeface="Courier" charset="0"/>
-                <a:cs typeface="Courier" charset="0"/>
-              </a:rPr>
-              <a:t> </a:t>
-            </a:r>
-          </a:p>
-          <a:p>
-            <a:r>
-              <a:rPr lang="en-US" sz="900" dirty="0">
-                <a:latin typeface="Courier" charset="0"/>
-                <a:ea typeface="Courier" charset="0"/>
-                <a:cs typeface="Courier" charset="0"/>
-              </a:rPr>
-              <a:t>          Figure: Probe Query Message for SRv6 Policy</a:t>
             </a:r>
           </a:p>
         </p:txBody>
@@ -6988,50 +6848,160 @@
           </a:p>
         </p:txBody>
       </p:sp>
-      <p:cxnSp>
-        <p:nvCxnSpPr>
-          <p:cNvPr id="8" name="Straight Connector 7">
+      <p:sp>
+        <p:nvSpPr>
+          <p:cNvPr id="9" name="Rectangle 8">
             <a:extLst>
               <a:ext uri="{FF2B5EF4-FFF2-40B4-BE49-F238E27FC236}">
-                <a16:creationId xmlns:a16="http://schemas.microsoft.com/office/drawing/2014/main" id="{7A63617F-26D6-E64C-98B9-346A9686E76B}"/>
+                <a16:creationId xmlns:a16="http://schemas.microsoft.com/office/drawing/2014/main" id="{A856D9B7-FCE9-1B49-8307-31CEB3BC42F4}"/>
               </a:ext>
             </a:extLst>
           </p:cNvPr>
-          <p:cNvCxnSpPr/>
+          <p:cNvSpPr/>
           <p:nvPr/>
-        </p:nvCxnSpPr>
+        </p:nvSpPr>
         <p:spPr>
           <a:xfrm>
-            <a:off x="4191000" y="2571750"/>
-            <a:ext cx="4724400" cy="0"/>
+            <a:off x="4191000" y="2783711"/>
+            <a:ext cx="4724400" cy="1754326"/>
           </a:xfrm>
-          <a:prstGeom prst="line">
+          <a:prstGeom prst="rect">
             <a:avLst/>
           </a:prstGeom>
-          <a:ln w="19050">
-            <a:solidFill>
-              <a:schemeClr val="tx1">
-                <a:lumMod val="50000"/>
-                <a:lumOff val="50000"/>
-              </a:schemeClr>
-            </a:solidFill>
-          </a:ln>
+          <a:solidFill>
+            <a:schemeClr val="accent6">
+              <a:lumMod val="20000"/>
+              <a:lumOff val="80000"/>
+            </a:schemeClr>
+          </a:solidFill>
         </p:spPr>
-        <p:style>
-          <a:lnRef idx="1">
-            <a:schemeClr val="accent1"/>
-          </a:lnRef>
-          <a:fillRef idx="0">
-            <a:schemeClr val="accent1"/>
-          </a:fillRef>
-          <a:effectRef idx="0">
-            <a:schemeClr val="accent1"/>
-          </a:effectRef>
-          <a:fontRef idx="minor">
-            <a:schemeClr val="tx1"/>
-          </a:fontRef>
-        </p:style>
-      </p:cxnSp>
+        <p:txBody>
+          <a:bodyPr wrap="square">
+            <a:spAutoFit/>
+          </a:bodyPr>
+          <a:lstStyle/>
+          <a:p>
+            <a:r>
+              <a:rPr lang="en-US" sz="900" dirty="0">
+                <a:latin typeface="Courier" charset="0"/>
+                <a:ea typeface="Courier" charset="0"/>
+                <a:cs typeface="Courier" charset="0"/>
+              </a:rPr>
+              <a:t>0                   1                   2                   3</a:t>
+            </a:r>
+          </a:p>
+          <a:p>
+            <a:r>
+              <a:rPr lang="en-US" sz="900" dirty="0">
+                <a:latin typeface="Courier" charset="0"/>
+                <a:ea typeface="Courier" charset="0"/>
+                <a:cs typeface="Courier" charset="0"/>
+              </a:rPr>
+              <a:t>0 1 2 3 4 5 6 7 8 9 0 1 2 3 4 5 6 7 8 9 0 1 2 3 4 5 6 7 8 9 0 1</a:t>
+            </a:r>
+          </a:p>
+          <a:p>
+            <a:r>
+              <a:rPr lang="en-US" sz="900" dirty="0">
+                <a:latin typeface="Courier" charset="0"/>
+                <a:ea typeface="Courier" charset="0"/>
+                <a:cs typeface="Courier" charset="0"/>
+              </a:rPr>
+              <a:t>+-+-+-+-+-+-+-+-+-+-+-+-+-+-+-+-+-+-+-+-+-+-+-+-+-+-+-+-+-+-+-+-+</a:t>
+            </a:r>
+          </a:p>
+          <a:p>
+            <a:r>
+              <a:rPr lang="en-US" sz="900" dirty="0">
+                <a:latin typeface="Courier" charset="0"/>
+                <a:ea typeface="Courier" charset="0"/>
+                <a:cs typeface="Courier" charset="0"/>
+              </a:rPr>
+              <a:t>|                           SRH                                 |</a:t>
+            </a:r>
+          </a:p>
+          <a:p>
+            <a:r>
+              <a:rPr lang="en-US" sz="900" dirty="0">
+                <a:latin typeface="Courier" charset="0"/>
+                <a:ea typeface="Courier" charset="0"/>
+                <a:cs typeface="Courier" charset="0"/>
+              </a:rPr>
+              <a:t>.                                                               .</a:t>
+            </a:r>
+          </a:p>
+          <a:p>
+            <a:r>
+              <a:rPr lang="en-US" sz="900" dirty="0">
+                <a:latin typeface="Courier" charset="0"/>
+                <a:ea typeface="Courier" charset="0"/>
+                <a:cs typeface="Courier" charset="0"/>
+              </a:rPr>
+              <a:t>+-+-+-+-+-+-+-+-+-+-+-+-+-+-+-+-+-+-+-+-+-+-+-+-+-+-+-+-+-+-+-+-+</a:t>
+            </a:r>
+          </a:p>
+          <a:p>
+            <a:r>
+              <a:rPr lang="en-US" sz="900" dirty="0">
+                <a:latin typeface="Courier" charset="0"/>
+                <a:ea typeface="Courier" charset="0"/>
+                <a:cs typeface="Courier" charset="0"/>
+              </a:rPr>
+              <a:t>|   Message for DM or LM Query                                  |</a:t>
+            </a:r>
+          </a:p>
+          <a:p>
+            <a:r>
+              <a:rPr lang="en-US" sz="900" dirty="0">
+                <a:latin typeface="Courier" charset="0"/>
+                <a:ea typeface="Courier" charset="0"/>
+                <a:cs typeface="Courier" charset="0"/>
+              </a:rPr>
+              <a:t>.   (Using IPv6 Addresses)                                      .</a:t>
+            </a:r>
+          </a:p>
+          <a:p>
+            <a:r>
+              <a:rPr lang="en-US" sz="900" dirty="0">
+                <a:latin typeface="Courier" charset="0"/>
+                <a:ea typeface="Courier" charset="0"/>
+                <a:cs typeface="Courier" charset="0"/>
+              </a:rPr>
+              <a:t>.                                                               .</a:t>
+            </a:r>
+          </a:p>
+          <a:p>
+            <a:r>
+              <a:rPr lang="en-US" sz="900" dirty="0">
+                <a:latin typeface="Courier" charset="0"/>
+                <a:ea typeface="Courier" charset="0"/>
+                <a:cs typeface="Courier" charset="0"/>
+              </a:rPr>
+              <a:t>+---------------------------------------------------------------+</a:t>
+            </a:r>
+          </a:p>
+          <a:p>
+            <a:r>
+              <a:rPr lang="en-US" sz="900" dirty="0">
+                <a:latin typeface="Courier" charset="0"/>
+                <a:ea typeface="Courier" charset="0"/>
+                <a:cs typeface="Courier" charset="0"/>
+              </a:rPr>
+              <a:t> </a:t>
+            </a:r>
+          </a:p>
+          <a:p>
+            <a:r>
+              <a:rPr lang="en-US" sz="900" dirty="0">
+                <a:latin typeface="Courier" charset="0"/>
+                <a:ea typeface="Courier" charset="0"/>
+                <a:cs typeface="Courier" charset="0"/>
+              </a:rPr>
+              <a:t>          Figure: Probe Query Message for SRv6 Policy</a:t>
+            </a:r>
+          </a:p>
+        </p:txBody>
+      </p:sp>
     </p:spTree>
     <p:extLst>
       <p:ext uri="{BB962C8B-B14F-4D97-AF65-F5344CB8AC3E}">
@@ -7168,7 +7138,7 @@
         </p:nvSpPr>
         <p:spPr>
           <a:xfrm>
-            <a:off x="1524000" y="1632681"/>
+            <a:off x="1676400" y="1625840"/>
             <a:ext cx="5562600" cy="2862322"/>
           </a:xfrm>
           <a:prstGeom prst="rect">
@@ -7345,7 +7315,7 @@
                 <a:latin typeface="Courier" pitchFamily="2" charset="0"/>
                 <a:cs typeface="Courier New" panose="02070309020205020404" pitchFamily="49" charset="0"/>
               </a:rPr>
-              <a:t>                       Figure: Probe Response Message</a:t>
+              <a:t>                      Figure: Probe Response Message</a:t>
             </a:r>
             <a:endParaRPr lang="en-US" sz="1000" dirty="0">
               <a:latin typeface="Courier" pitchFamily="2" charset="0"/>
@@ -8632,7 +8602,7 @@
             </a:pPr>
             <a:r>
               <a:rPr lang="en-US" sz="1800" dirty="0"/>
-              <a:t>For IPv4 and IPv6</a:t>
+              <a:t>For IPv4</a:t>
             </a:r>
           </a:p>
           <a:p>
@@ -8646,7 +8616,35 @@
             </a:pPr>
             <a:r>
               <a:rPr lang="en-US" sz="1800" dirty="0"/>
-              <a:t>Destination addresses in IP header (e.g. 127/8 for IPv4 and FFFF:7F00/104 for IPv6)</a:t>
+              <a:t>Destination addresses in IP header (e.g. 127/8)</a:t>
+            </a:r>
+          </a:p>
+          <a:p>
+            <a:pPr lvl="1">
+              <a:lnSpc>
+                <a:spcPts val="2280"/>
+              </a:lnSpc>
+              <a:spcBef>
+                <a:spcPts val="0"/>
+              </a:spcBef>
+            </a:pPr>
+            <a:r>
+              <a:rPr lang="en-US" sz="1800" dirty="0"/>
+              <a:t>For IPv6</a:t>
+            </a:r>
+          </a:p>
+          <a:p>
+            <a:pPr lvl="2">
+              <a:lnSpc>
+                <a:spcPts val="2280"/>
+              </a:lnSpc>
+              <a:spcBef>
+                <a:spcPts val="0"/>
+              </a:spcBef>
+            </a:pPr>
+            <a:r>
+              <a:rPr lang="en-US" sz="1800" dirty="0"/>
+              <a:t>Destination addresses in IP header (e.g. FFFF:7F00/104)</a:t>
             </a:r>
           </a:p>
           <a:p>
@@ -10178,7 +10176,7 @@
         <p:spPr>
           <a:xfrm>
             <a:off x="4114800" y="971550"/>
-            <a:ext cx="4648200" cy="3416320"/>
+            <a:ext cx="4648200" cy="1815882"/>
           </a:xfrm>
           <a:prstGeom prst="rect">
             <a:avLst/>
@@ -10296,7 +10294,7 @@
               <a:rPr lang="en-CA" sz="800" dirty="0">
                 <a:latin typeface="Courier" pitchFamily="2" charset="0"/>
               </a:rPr>
-              <a:t> </a:t>
+              <a:t>  </a:t>
             </a:r>
           </a:p>
           <a:p>
@@ -10304,115 +10302,7 @@
               <a:rPr lang="en-CA" sz="800" dirty="0">
                 <a:latin typeface="Courier" pitchFamily="2" charset="0"/>
               </a:rPr>
-              <a:t> </a:t>
-            </a:r>
-          </a:p>
-          <a:p>
-            <a:r>
-              <a:rPr lang="en-CA" sz="800" dirty="0">
-                <a:latin typeface="Courier" pitchFamily="2" charset="0"/>
-              </a:rPr>
-              <a:t> </a:t>
-            </a:r>
-          </a:p>
-          <a:p>
-            <a:r>
-              <a:rPr lang="en-CA" sz="800" dirty="0">
-                <a:latin typeface="Courier" pitchFamily="2" charset="0"/>
-              </a:rPr>
-              <a:t>    .                                                               .</a:t>
-            </a:r>
-          </a:p>
-          <a:p>
-            <a:r>
-              <a:rPr lang="en-CA" sz="800" dirty="0">
-                <a:latin typeface="Courier" pitchFamily="2" charset="0"/>
-              </a:rPr>
-              <a:t>    .                                                               .</a:t>
-            </a:r>
-          </a:p>
-          <a:p>
-            <a:r>
-              <a:rPr lang="en-CA" sz="800" dirty="0">
-                <a:latin typeface="Courier" pitchFamily="2" charset="0"/>
-              </a:rPr>
-              <a:t>    +-+-+-+-+-+-+-+-+-+-+-+-+-+-+-+-+-+-+-+-+-+-+-+-+-+-+-+-+-+-+-+-+</a:t>
-            </a:r>
-          </a:p>
-          <a:p>
-            <a:r>
-              <a:rPr lang="en-CA" sz="800" dirty="0">
-                <a:latin typeface="Courier" pitchFamily="2" charset="0"/>
-              </a:rPr>
-              <a:t>    | Session-Sender Error Estimate | MBZ           |Re Control Code|</a:t>
-            </a:r>
-          </a:p>
-          <a:p>
-            <a:r>
-              <a:rPr lang="en-CA" sz="800" dirty="0">
-                <a:latin typeface="Courier" pitchFamily="2" charset="0"/>
-              </a:rPr>
-              <a:t>    +-+-+-+-+-+-+-+-+-+-+-+-+-+-+-+-+-+-+-+-+-+-+-+-+-+-+-+-+-+-+-+-+</a:t>
-            </a:r>
-          </a:p>
-          <a:p>
-            <a:r>
-              <a:rPr lang="en-CA" sz="800" dirty="0">
-                <a:latin typeface="Courier" pitchFamily="2" charset="0"/>
-              </a:rPr>
-              <a:t>    |</a:t>
-            </a:r>
-            <a:r>
-              <a:rPr lang="en-CA" sz="800" dirty="0" err="1">
-                <a:latin typeface="Courier" pitchFamily="2" charset="0"/>
-              </a:rPr>
-              <a:t>Ses</a:t>
-            </a:r>
-            <a:r>
-              <a:rPr lang="en-CA" sz="800" dirty="0">
-                <a:latin typeface="Courier" pitchFamily="2" charset="0"/>
-              </a:rPr>
-              <a:t>-Sender TTL |                 MBZ                           |</a:t>
-            </a:r>
-          </a:p>
-          <a:p>
-            <a:r>
-              <a:rPr lang="en-CA" sz="800" dirty="0">
-                <a:latin typeface="Courier" pitchFamily="2" charset="0"/>
-              </a:rPr>
-              <a:t>    +-+-+-+-+-+-+-+-+-+-+-+-+-+-+-+-+-+-+-+-+-+-+-+-+-+-+-+-+-+-+-+-+</a:t>
-            </a:r>
-          </a:p>
-          <a:p>
-            <a:r>
-              <a:rPr lang="en-CA" sz="800" dirty="0">
-                <a:latin typeface="Courier" pitchFamily="2" charset="0"/>
-              </a:rPr>
-              <a:t>    .                                                               .</a:t>
-            </a:r>
-          </a:p>
-          <a:p>
-            <a:r>
-              <a:rPr lang="en-CA" sz="800" dirty="0">
-                <a:latin typeface="Courier" pitchFamily="2" charset="0"/>
-              </a:rPr>
-              <a:t>    .                                                               .</a:t>
-            </a:r>
-          </a:p>
-          <a:p>
-            <a:r>
-              <a:rPr lang="en-CA" sz="800" dirty="0">
-                <a:latin typeface="Courier" pitchFamily="2" charset="0"/>
-              </a:rPr>
-              <a:t> </a:t>
-            </a:r>
-          </a:p>
-          <a:p>
-            <a:r>
-              <a:rPr lang="en-CA" sz="800" dirty="0">
-                <a:latin typeface="Courier" pitchFamily="2" charset="0"/>
-              </a:rPr>
-              <a:t>               Figure 6: Control Code in TWAMP Light Message</a:t>
+              <a:t>            Figure 6: Control Code in TWAMP Light Query Message</a:t>
             </a:r>
           </a:p>
         </p:txBody>
@@ -10601,52 +10491,140 @@
           </a:p>
         </p:txBody>
       </p:sp>
-      <p:cxnSp>
-        <p:nvCxnSpPr>
-          <p:cNvPr id="8" name="Straight Connector 7">
+      <p:sp>
+        <p:nvSpPr>
+          <p:cNvPr id="9" name="Rectangle 8">
             <a:extLst>
               <a:ext uri="{FF2B5EF4-FFF2-40B4-BE49-F238E27FC236}">
-                <a16:creationId xmlns:a16="http://schemas.microsoft.com/office/drawing/2014/main" id="{C31F2BC0-7615-0847-B0F1-3B3FC5396FF2}"/>
+                <a16:creationId xmlns:a16="http://schemas.microsoft.com/office/drawing/2014/main" id="{336632B4-4944-334C-9791-A67122539559}"/>
               </a:ext>
             </a:extLst>
           </p:cNvPr>
-          <p:cNvCxnSpPr>
-            <a:cxnSpLocks/>
-          </p:cNvCxnSpPr>
+          <p:cNvSpPr/>
           <p:nvPr/>
-        </p:nvCxnSpPr>
+        </p:nvSpPr>
         <p:spPr>
           <a:xfrm>
-            <a:off x="4114800" y="2647950"/>
-            <a:ext cx="4648200" cy="0"/>
+            <a:off x="4114800" y="3105473"/>
+            <a:ext cx="4648200" cy="1446550"/>
           </a:xfrm>
-          <a:prstGeom prst="line">
+          <a:prstGeom prst="rect">
             <a:avLst/>
           </a:prstGeom>
-          <a:ln w="19050">
-            <a:solidFill>
-              <a:schemeClr val="tx1">
-                <a:lumMod val="50000"/>
-                <a:lumOff val="50000"/>
-              </a:schemeClr>
-            </a:solidFill>
-          </a:ln>
+          <a:solidFill>
+            <a:schemeClr val="accent6">
+              <a:lumMod val="20000"/>
+              <a:lumOff val="80000"/>
+            </a:schemeClr>
+          </a:solidFill>
         </p:spPr>
-        <p:style>
-          <a:lnRef idx="1">
-            <a:schemeClr val="accent1"/>
-          </a:lnRef>
-          <a:fillRef idx="0">
-            <a:schemeClr val="accent1"/>
-          </a:fillRef>
-          <a:effectRef idx="0">
-            <a:schemeClr val="accent1"/>
-          </a:effectRef>
-          <a:fontRef idx="minor">
-            <a:schemeClr val="tx1"/>
-          </a:fontRef>
-        </p:style>
-      </p:cxnSp>
+        <p:txBody>
+          <a:bodyPr wrap="square">
+            <a:spAutoFit/>
+          </a:bodyPr>
+          <a:lstStyle/>
+          <a:p>
+            <a:r>
+              <a:rPr lang="en-CA" sz="800" dirty="0">
+                <a:latin typeface="Courier" pitchFamily="2" charset="0"/>
+              </a:rPr>
+              <a:t>    .                                                               .</a:t>
+            </a:r>
+          </a:p>
+          <a:p>
+            <a:r>
+              <a:rPr lang="en-CA" sz="800" dirty="0">
+                <a:latin typeface="Courier" pitchFamily="2" charset="0"/>
+              </a:rPr>
+              <a:t>    .                                                               .</a:t>
+            </a:r>
+          </a:p>
+          <a:p>
+            <a:r>
+              <a:rPr lang="en-CA" sz="800" dirty="0">
+                <a:latin typeface="Courier" pitchFamily="2" charset="0"/>
+              </a:rPr>
+              <a:t>    +-+-+-+-+-+-+-+-+-+-+-+-+-+-+-+-+-+-+-+-+-+-+-+-+-+-+-+-+-+-+-+-+</a:t>
+            </a:r>
+          </a:p>
+          <a:p>
+            <a:r>
+              <a:rPr lang="en-CA" sz="800" dirty="0">
+                <a:latin typeface="Courier" pitchFamily="2" charset="0"/>
+              </a:rPr>
+              <a:t>    | Session-Sender Error Estimate | MBZ           |Re Control Code|</a:t>
+            </a:r>
+          </a:p>
+          <a:p>
+            <a:r>
+              <a:rPr lang="en-CA" sz="800" dirty="0">
+                <a:latin typeface="Courier" pitchFamily="2" charset="0"/>
+              </a:rPr>
+              <a:t>    +-+-+-+-+-+-+-+-+-+-+-+-+-+-+-+-+-+-+-+-+-+-+-+-+-+-+-+-+-+-+-+-+</a:t>
+            </a:r>
+          </a:p>
+          <a:p>
+            <a:r>
+              <a:rPr lang="en-CA" sz="800" dirty="0">
+                <a:latin typeface="Courier" pitchFamily="2" charset="0"/>
+              </a:rPr>
+              <a:t>    |</a:t>
+            </a:r>
+            <a:r>
+              <a:rPr lang="en-CA" sz="800" dirty="0" err="1">
+                <a:latin typeface="Courier" pitchFamily="2" charset="0"/>
+              </a:rPr>
+              <a:t>Ses</a:t>
+            </a:r>
+            <a:r>
+              <a:rPr lang="en-CA" sz="800" dirty="0">
+                <a:latin typeface="Courier" pitchFamily="2" charset="0"/>
+              </a:rPr>
+              <a:t>-Sender TTL |                 MBZ                           |</a:t>
+            </a:r>
+          </a:p>
+          <a:p>
+            <a:r>
+              <a:rPr lang="en-CA" sz="800" dirty="0">
+                <a:latin typeface="Courier" pitchFamily="2" charset="0"/>
+              </a:rPr>
+              <a:t>    +-+-+-+-+-+-+-+-+-+-+-+-+-+-+-+-+-+-+-+-+-+-+-+-+-+-+-+-+-+-+-+-+</a:t>
+            </a:r>
+          </a:p>
+          <a:p>
+            <a:r>
+              <a:rPr lang="en-CA" sz="800" dirty="0">
+                <a:latin typeface="Courier" pitchFamily="2" charset="0"/>
+              </a:rPr>
+              <a:t>    .                                                               .</a:t>
+            </a:r>
+          </a:p>
+          <a:p>
+            <a:r>
+              <a:rPr lang="en-CA" sz="800" dirty="0">
+                <a:latin typeface="Courier" pitchFamily="2" charset="0"/>
+              </a:rPr>
+              <a:t>    .                                                               .</a:t>
+            </a:r>
+          </a:p>
+          <a:p>
+            <a:r>
+              <a:rPr lang="en-CA" sz="800" dirty="0">
+                <a:latin typeface="Courier" pitchFamily="2" charset="0"/>
+              </a:rPr>
+              <a:t> </a:t>
+            </a:r>
+          </a:p>
+          <a:p>
+            <a:r>
+              <a:rPr lang="en-CA" sz="800" dirty="0">
+                <a:latin typeface="Courier" pitchFamily="2" charset="0"/>
+              </a:rPr>
+              <a:t>          Figure 6: Control Code in TWAMP Light Response Message</a:t>
+            </a:r>
+          </a:p>
+        </p:txBody>
+      </p:sp>
     </p:spTree>
     <p:extLst>
       <p:ext uri="{BB962C8B-B14F-4D97-AF65-F5344CB8AC3E}">

--- a/draft-gandhi-spring-twamp-srpm-08.pptx
+++ b/draft-gandhi-spring-twamp-srpm-08.pptx
@@ -9555,12 +9555,13 @@
             <a:pPr lvl="1"/>
             <a:r>
               <a:rPr lang="en-US" sz="1100" dirty="0"/>
-              <a:t>Draft was first published - </a:t>
+              <a:t>Draft was published - </a:t>
             </a:r>
             <a:r>
               <a:rPr lang="en-US" sz="1100" i="1" dirty="0"/>
               <a:t>draft-gandhi-spring-twamp-srpm-00</a:t>
             </a:r>
+            <a:endParaRPr lang="en-US" sz="1100" dirty="0"/>
           </a:p>
           <a:p>
             <a:r>
@@ -9585,7 +9586,7 @@
             <a:pPr lvl="1"/>
             <a:r>
               <a:rPr lang="en-US" sz="1100" dirty="0"/>
-              <a:t>Presented revision-00 at IETF 104 Prague in SPRING WG</a:t>
+              <a:t>Presented version-00 at IETF 104 Prague in SPRING WG</a:t>
             </a:r>
           </a:p>
           <a:p>
@@ -9598,7 +9599,7 @@
             <a:pPr lvl="1"/>
             <a:r>
               <a:rPr lang="en-US" sz="1100" dirty="0"/>
-              <a:t>Presented revision-01 at IETF 105 Montreal in IPPM WG</a:t>
+              <a:t>Presented version-01 at IETF 105 Montreal in IPPM WG</a:t>
             </a:r>
           </a:p>
           <a:p>
@@ -9623,7 +9624,7 @@
             <a:pPr lvl="1"/>
             <a:r>
               <a:rPr lang="en-US" sz="1100" dirty="0"/>
-              <a:t>Revision-02 updates included a section stand-alone LM messages</a:t>
+              <a:t>Version-02 updates included a section on stand-alone LM messages</a:t>
             </a:r>
           </a:p>
           <a:p>
@@ -9643,7 +9644,7 @@
             <a:pPr lvl="1"/>
             <a:r>
               <a:rPr lang="en-US" sz="1100" dirty="0"/>
-              <a:t>Presented revision-04 at IETF 106 Singapore in SPRING WG</a:t>
+              <a:t>Presented version-04 at IETF 106 Singapore in SPRING WG</a:t>
             </a:r>
           </a:p>
           <a:p>
@@ -9695,7 +9696,7 @@
             </a:r>
             <a:r>
               <a:rPr lang="en-US" sz="1100" i="1" dirty="0"/>
-              <a:t>-srpm-08 </a:t>
+              <a:t>-srpm-08</a:t>
             </a:r>
           </a:p>
         </p:txBody>
@@ -9825,7 +9826,7 @@
                 <a:latin typeface="Calibri Light" panose="020F0302020204030204" pitchFamily="34" charset="0"/>
                 <a:cs typeface="Calibri Light" panose="020F0302020204030204" pitchFamily="34" charset="0"/>
               </a:rPr>
-              <a:t>Updates Since IETF-106 (Revision-04)</a:t>
+              <a:t>Updates Since IETF-106 (Version-04)</a:t>
             </a:r>
           </a:p>
         </p:txBody>

--- a/draft-gandhi-spring-twamp-srpm-08.pptx
+++ b/draft-gandhi-spring-twamp-srpm-08.pptx
@@ -7869,9 +7869,8 @@
             <a:r>
               <a:rPr lang="en-US" sz="800" dirty="0">
                 <a:solidFill>
-                  <a:schemeClr val="tx2">
-                    <a:lumMod val="60000"/>
-                    <a:lumOff val="40000"/>
+                  <a:schemeClr val="bg2">
+                    <a:lumMod val="50000"/>
                   </a:schemeClr>
                 </a:solidFill>
                 <a:latin typeface="Courier" pitchFamily="2" charset="0"/>
@@ -7890,9 +7889,8 @@
             <a:r>
               <a:rPr lang="en-US" sz="800" dirty="0">
                 <a:solidFill>
-                  <a:schemeClr val="tx2">
-                    <a:lumMod val="60000"/>
-                    <a:lumOff val="40000"/>
+                  <a:schemeClr val="bg2">
+                    <a:lumMod val="50000"/>
                   </a:schemeClr>
                 </a:solidFill>
                 <a:latin typeface="Courier" pitchFamily="2" charset="0"/>
@@ -7911,9 +7909,8 @@
             <a:r>
               <a:rPr lang="en-US" sz="800" dirty="0">
                 <a:solidFill>
-                  <a:schemeClr val="tx2">
-                    <a:lumMod val="60000"/>
-                    <a:lumOff val="40000"/>
+                  <a:schemeClr val="bg2">
+                    <a:lumMod val="50000"/>
                   </a:schemeClr>
                 </a:solidFill>
                 <a:latin typeface="Courier" pitchFamily="2" charset="0"/>
@@ -7932,9 +7929,8 @@
             <a:r>
               <a:rPr lang="en-US" sz="800" dirty="0">
                 <a:solidFill>
-                  <a:schemeClr val="tx2">
-                    <a:lumMod val="60000"/>
-                    <a:lumOff val="40000"/>
+                  <a:schemeClr val="bg2">
+                    <a:lumMod val="50000"/>
                   </a:schemeClr>
                 </a:solidFill>
                 <a:latin typeface="Courier" pitchFamily="2" charset="0"/>
@@ -7953,9 +7949,8 @@
             <a:r>
               <a:rPr lang="en-US" sz="800" dirty="0">
                 <a:solidFill>
-                  <a:schemeClr val="tx2">
-                    <a:lumMod val="60000"/>
-                    <a:lumOff val="40000"/>
+                  <a:schemeClr val="bg2">
+                    <a:lumMod val="50000"/>
                   </a:schemeClr>
                 </a:solidFill>
                 <a:latin typeface="Courier" pitchFamily="2" charset="0"/>
@@ -7974,9 +7969,8 @@
             <a:r>
               <a:rPr lang="en-US" sz="800" dirty="0">
                 <a:solidFill>
-                  <a:schemeClr val="tx2">
-                    <a:lumMod val="60000"/>
-                    <a:lumOff val="40000"/>
+                  <a:schemeClr val="bg2">
+                    <a:lumMod val="50000"/>
                   </a:schemeClr>
                 </a:solidFill>
                 <a:latin typeface="Courier" pitchFamily="2" charset="0"/>
@@ -7995,9 +7989,8 @@
             <a:r>
               <a:rPr lang="en-US" sz="800" dirty="0">
                 <a:solidFill>
-                  <a:schemeClr val="tx2">
-                    <a:lumMod val="60000"/>
-                    <a:lumOff val="40000"/>
+                  <a:schemeClr val="bg2">
+                    <a:lumMod val="50000"/>
                   </a:schemeClr>
                 </a:solidFill>
                 <a:latin typeface="Courier" pitchFamily="2" charset="0"/>
@@ -8016,9 +8009,8 @@
             <a:r>
               <a:rPr lang="en-US" sz="800" dirty="0">
                 <a:solidFill>
-                  <a:schemeClr val="tx2">
-                    <a:lumMod val="60000"/>
-                    <a:lumOff val="40000"/>
+                  <a:schemeClr val="bg2">
+                    <a:lumMod val="50000"/>
                   </a:schemeClr>
                 </a:solidFill>
                 <a:latin typeface="Courier" pitchFamily="2" charset="0"/>
@@ -8037,9 +8029,8 @@
             <a:r>
               <a:rPr lang="en-CA" sz="800" dirty="0">
                 <a:solidFill>
-                  <a:schemeClr val="tx2">
-                    <a:lumMod val="60000"/>
-                    <a:lumOff val="40000"/>
+                  <a:schemeClr val="bg2">
+                    <a:lumMod val="50000"/>
                   </a:schemeClr>
                 </a:solidFill>
                 <a:latin typeface="Courier" pitchFamily="2" charset="0"/>
@@ -8057,9 +8048,8 @@
             <a:r>
               <a:rPr lang="en-US" sz="800" dirty="0">
                 <a:solidFill>
-                  <a:schemeClr val="tx2">
-                    <a:lumMod val="60000"/>
-                    <a:lumOff val="40000"/>
+                  <a:schemeClr val="bg2">
+                    <a:lumMod val="50000"/>
                   </a:schemeClr>
                 </a:solidFill>
                 <a:latin typeface="Courier" pitchFamily="2" charset="0"/>
@@ -8078,9 +8068,8 @@
             <a:r>
               <a:rPr lang="en-US" sz="800" dirty="0">
                 <a:solidFill>
-                  <a:schemeClr val="tx2">
-                    <a:lumMod val="60000"/>
-                    <a:lumOff val="40000"/>
+                  <a:schemeClr val="bg2">
+                    <a:lumMod val="50000"/>
                   </a:schemeClr>
                 </a:solidFill>
                 <a:latin typeface="Courier" pitchFamily="2" charset="0"/>
@@ -8092,9 +8081,8 @@
             <a:r>
               <a:rPr lang="en-CA" sz="800" dirty="0">
                 <a:solidFill>
-                  <a:schemeClr val="tx2">
-                    <a:lumMod val="60000"/>
-                    <a:lumOff val="40000"/>
+                  <a:schemeClr val="bg2">
+                    <a:lumMod val="50000"/>
                   </a:schemeClr>
                 </a:solidFill>
                 <a:latin typeface="Courier" pitchFamily="2" charset="0"/>
@@ -8105,9 +8093,8 @@
             <a:r>
               <a:rPr lang="en-US" sz="800" dirty="0">
                 <a:solidFill>
-                  <a:schemeClr val="tx2">
-                    <a:lumMod val="60000"/>
-                    <a:lumOff val="40000"/>
+                  <a:schemeClr val="bg2">
+                    <a:lumMod val="50000"/>
                   </a:schemeClr>
                 </a:solidFill>
                 <a:latin typeface="Courier" pitchFamily="2" charset="0"/>
@@ -8126,9 +8113,8 @@
             <a:r>
               <a:rPr lang="en-US" sz="800" dirty="0">
                 <a:solidFill>
-                  <a:schemeClr val="tx2">
-                    <a:lumMod val="60000"/>
-                    <a:lumOff val="40000"/>
+                  <a:schemeClr val="bg2">
+                    <a:lumMod val="50000"/>
                   </a:schemeClr>
                 </a:solidFill>
                 <a:latin typeface="Courier" pitchFamily="2" charset="0"/>
@@ -8147,9 +8133,8 @@
             <a:r>
               <a:rPr lang="en-US" sz="800" dirty="0">
                 <a:solidFill>
-                  <a:schemeClr val="tx2">
-                    <a:lumMod val="60000"/>
-                    <a:lumOff val="40000"/>
+                  <a:schemeClr val="bg2">
+                    <a:lumMod val="50000"/>
                   </a:schemeClr>
                 </a:solidFill>
                 <a:latin typeface="Courier" pitchFamily="2" charset="0"/>
@@ -8168,9 +8153,8 @@
             <a:r>
               <a:rPr lang="en-US" sz="800" dirty="0">
                 <a:solidFill>
-                  <a:schemeClr val="tx2">
-                    <a:lumMod val="60000"/>
-                    <a:lumOff val="40000"/>
+                  <a:schemeClr val="bg2">
+                    <a:lumMod val="50000"/>
                   </a:schemeClr>
                 </a:solidFill>
                 <a:latin typeface="Courier" pitchFamily="2" charset="0"/>
@@ -8184,9 +8168,8 @@
             <a:r>
               <a:rPr lang="en-US" sz="800" dirty="0">
                 <a:solidFill>
-                  <a:schemeClr val="tx2">
-                    <a:lumMod val="60000"/>
-                    <a:lumOff val="40000"/>
+                  <a:schemeClr val="bg2">
+                    <a:lumMod val="50000"/>
                   </a:schemeClr>
                 </a:solidFill>
                 <a:latin typeface="Courier" pitchFamily="2" charset="0"/>
@@ -8616,7 +8599,7 @@
             </a:pPr>
             <a:r>
               <a:rPr lang="en-US" sz="1800" dirty="0"/>
-              <a:t>Destination addresses in IP header (e.g. 127/8)</a:t>
+              <a:t>Destination addresses in IPv4 header (e.g. 127/8)</a:t>
             </a:r>
           </a:p>
           <a:p>
@@ -8644,7 +8627,7 @@
             </a:pPr>
             <a:r>
               <a:rPr lang="en-US" sz="1800" dirty="0"/>
-              <a:t>Destination addresses in IP header (e.g. FFFF:7F00/104)</a:t>
+              <a:t>Destination addresses in IPv6 header (e.g. FFFF:7F00/104)</a:t>
             </a:r>
           </a:p>
           <a:p>

--- a/draft-gandhi-spring-twamp-srpm-08.pptx
+++ b/draft-gandhi-spring-twamp-srpm-08.pptx
@@ -5901,8 +5901,8 @@
         </p:nvSpPr>
         <p:spPr>
           <a:xfrm>
-            <a:off x="609600" y="828186"/>
-            <a:ext cx="7924800" cy="857250"/>
+            <a:off x="838200" y="775615"/>
+            <a:ext cx="7467600" cy="857250"/>
           </a:xfrm>
         </p:spPr>
         <p:txBody>
@@ -10286,7 +10286,7 @@
               <a:rPr lang="en-CA" sz="800" dirty="0">
                 <a:latin typeface="Courier" pitchFamily="2" charset="0"/>
               </a:rPr>
-              <a:t>            Figure 6: Control Code in TWAMP Light Query Message</a:t>
+              <a:t>             Figure: Control Code in TWAMP Light Query Message</a:t>
             </a:r>
           </a:p>
         </p:txBody>
@@ -10604,7 +10604,7 @@
               <a:rPr lang="en-CA" sz="800" dirty="0">
                 <a:latin typeface="Courier" pitchFamily="2" charset="0"/>
               </a:rPr>
-              <a:t>          Figure 6: Control Code in TWAMP Light Response Message</a:t>
+              <a:t>           Figure: Control Code in TWAMP Light Response Message</a:t>
             </a:r>
           </a:p>
         </p:txBody>

--- a/draft-gandhi-spring-twamp-srpm-08.pptx
+++ b/draft-gandhi-spring-twamp-srpm-08.pptx
@@ -260,7 +260,7 @@
           <a:p>
             <a:fld id="{E8FA3DB5-7722-3F4F-947D-12B203669AD7}" type="datetimeFigureOut">
               <a:rPr lang="en-US" smtClean="0"/>
-              <a:t>3/30/20</a:t>
+              <a:t>4/5/20</a:t>
             </a:fld>
             <a:endParaRPr lang="en-US"/>
           </a:p>
@@ -5901,8 +5901,8 @@
         </p:nvSpPr>
         <p:spPr>
           <a:xfrm>
-            <a:off x="838200" y="775615"/>
-            <a:ext cx="7467600" cy="857250"/>
+            <a:off x="457200" y="741825"/>
+            <a:ext cx="8077200" cy="686925"/>
           </a:xfrm>
         </p:spPr>
         <p:txBody>
@@ -5910,31 +5910,25 @@
           <a:lstStyle/>
           <a:p>
             <a:r>
-              <a:rPr lang="en-US" sz="1400" dirty="0"/>
+              <a:rPr lang="en-US" sz="1600" dirty="0"/>
               <a:t>User-configured destination UDP </a:t>
             </a:r>
             <a:r>
-              <a:rPr lang="en-US" sz="1400" b="1" dirty="0"/>
+              <a:rPr lang="en-US" sz="1600" b="1" dirty="0"/>
               <a:t>port1</a:t>
             </a:r>
             <a:r>
-              <a:rPr lang="en-US" sz="1400" dirty="0"/>
+              <a:rPr lang="en-US" sz="1600" dirty="0"/>
               <a:t> is used for DM probe messages in unauthenticated mode and </a:t>
             </a:r>
             <a:r>
-              <a:rPr lang="en-US" sz="1400" b="1" dirty="0"/>
+              <a:rPr lang="en-US" sz="1600" b="1" dirty="0"/>
               <a:t>port2</a:t>
             </a:r>
             <a:r>
-              <a:rPr lang="en-US" sz="1400" dirty="0"/>
+              <a:rPr lang="en-US" sz="1600" dirty="0"/>
               <a:t> is used for LM probe messages in unauthenticated mode.</a:t>
             </a:r>
-          </a:p>
-          <a:p>
-            <a:pPr marL="0" indent="0">
-              <a:buNone/>
-            </a:pPr>
-            <a:endParaRPr lang="en-US" sz="1400" dirty="0"/>
           </a:p>
         </p:txBody>
       </p:sp>
@@ -5946,7 +5940,7 @@
         </p:nvSpPr>
         <p:spPr>
           <a:xfrm>
-            <a:off x="1971675" y="1624252"/>
+            <a:off x="1971675" y="1504950"/>
             <a:ext cx="5200650" cy="3016210"/>
           </a:xfrm>
           <a:prstGeom prst="rect">
@@ -9288,7 +9282,7 @@
             </a:pPr>
             <a:r>
               <a:rPr lang="en-US" sz="1400" dirty="0"/>
-              <a:t>Links and End-to-end P2P/P2MP SR Policies</a:t>
+              <a:t>Links and End-to-end P2P/P2MP SR Paths</a:t>
             </a:r>
           </a:p>
           <a:p>
@@ -9308,7 +9302,7 @@
             </a:pPr>
             <a:r>
               <a:rPr lang="en-US" sz="1400" dirty="0"/>
-              <a:t>No need to bootstrap PM session (e.g. to negotiate UDP port) - spirit of SR</a:t>
+              <a:t>No need to negotiate UDP port to bootstrap PM session - spirit of SR</a:t>
             </a:r>
           </a:p>
           <a:p>
@@ -9328,7 +9322,7 @@
             </a:pPr>
             <a:r>
               <a:rPr lang="en-US" sz="1400" dirty="0"/>
-              <a:t>Handle ECMP for SR Policies</a:t>
+              <a:t>Handle ECMP for SR Paths</a:t>
             </a:r>
           </a:p>
           <a:p>
@@ -9549,6 +9543,27 @@
           <a:p>
             <a:r>
               <a:rPr lang="en-US" sz="1100" dirty="0"/>
+              <a:t>Mar 2019</a:t>
+            </a:r>
+          </a:p>
+          <a:p>
+            <a:pPr lvl="1"/>
+            <a:r>
+              <a:rPr lang="en-US" sz="1100" dirty="0"/>
+              <a:t>Presented </a:t>
+            </a:r>
+            <a:r>
+              <a:rPr lang="en-US" sz="1100" i="1" dirty="0"/>
+              <a:t>draft-gandhi-spring-twamp-srpm-00</a:t>
+            </a:r>
+            <a:r>
+              <a:rPr lang="en-US" sz="1100" dirty="0"/>
+              <a:t> at IETF 104 Prague in SPRING WG</a:t>
+            </a:r>
+          </a:p>
+          <a:p>
+            <a:r>
+              <a:rPr lang="en-US" sz="1100" dirty="0"/>
               <a:t>May 2019</a:t>
             </a:r>
           </a:p>
@@ -9562,27 +9577,22 @@
           <a:p>
             <a:r>
               <a:rPr lang="en-US" sz="1100" dirty="0"/>
-              <a:t>Mar 2019</a:t>
+              <a:t>July 2019</a:t>
             </a:r>
           </a:p>
           <a:p>
             <a:pPr lvl="1"/>
             <a:r>
               <a:rPr lang="en-US" sz="1100" dirty="0"/>
-              <a:t>Presented version-00 at IETF 104 Prague in SPRING WG</a:t>
-            </a:r>
-          </a:p>
-          <a:p>
+              <a:t>Presented </a:t>
+            </a:r>
+            <a:r>
+              <a:rPr lang="en-US" sz="1100" i="1" dirty="0"/>
+              <a:t>draft-gandhi-spring-twamp-srpm-01</a:t>
+            </a:r>
             <a:r>
               <a:rPr lang="en-US" sz="1100" dirty="0"/>
-              <a:t>July 2019</a:t>
-            </a:r>
-          </a:p>
-          <a:p>
-            <a:pPr lvl="1"/>
-            <a:r>
-              <a:rPr lang="en-US" sz="1100" dirty="0"/>
-              <a:t>Presented version-01 at IETF 105 Montreal in IPPM WG</a:t>
+              <a:t> at IETF 105 Montreal in IPPM WG</a:t>
             </a:r>
           </a:p>
           <a:p>
@@ -9606,8 +9616,12 @@
           <a:p>
             <a:pPr lvl="1"/>
             <a:r>
+              <a:rPr lang="en-US" sz="1100" i="1" dirty="0"/>
+              <a:t>draft-gandhi-spring-twamp-srpm-02</a:t>
+            </a:r>
+            <a:r>
               <a:rPr lang="en-US" sz="1100" dirty="0"/>
-              <a:t>Version-02 updates included a section on stand-alone LM messages</a:t>
+              <a:t> included stand-alone LM messages</a:t>
             </a:r>
           </a:p>
           <a:p>
@@ -9627,7 +9641,15 @@
             <a:pPr lvl="1"/>
             <a:r>
               <a:rPr lang="en-US" sz="1100" dirty="0"/>
-              <a:t>Presented version-04 at IETF 106 Singapore in SPRING WG</a:t>
+              <a:t>Presented </a:t>
+            </a:r>
+            <a:r>
+              <a:rPr lang="en-US" sz="1100" i="1" dirty="0"/>
+              <a:t>draft-gandhi-spring-twamp-srpm-04</a:t>
+            </a:r>
+            <a:r>
+              <a:rPr lang="en-US" sz="1100" dirty="0"/>
+              <a:t> at IETF 106 Singapore in SPRING WG</a:t>
             </a:r>
           </a:p>
           <a:p>
@@ -9873,21 +9895,8 @@
             </a:r>
             <a:r>
               <a:rPr lang="en-US" sz="1600" i="1" dirty="0"/>
-              <a:t>draft-</a:t>
-            </a:r>
-            <a:r>
-              <a:rPr lang="en-US" sz="1600" i="1" dirty="0" err="1"/>
-              <a:t>gandhi</a:t>
-            </a:r>
-            <a:r>
-              <a:rPr lang="en-US" sz="1600" i="1" dirty="0"/>
-              <a:t>-spring-stamp-</a:t>
-            </a:r>
-            <a:r>
-              <a:rPr lang="en-US" sz="1600" i="1" dirty="0" err="1"/>
-              <a:t>srpm</a:t>
-            </a:r>
-            <a:endParaRPr lang="en-US" sz="1600" i="1" dirty="0"/>
+              <a:t>draft-gandhi-spring-stamp-srpm-00</a:t>
+            </a:r>
           </a:p>
           <a:p>
             <a:pPr marL="800100" lvl="1" indent="-342900">

--- a/draft-gandhi-spring-twamp-srpm-08.pptx
+++ b/draft-gandhi-spring-twamp-srpm-08.pptx
@@ -260,7 +260,7 @@
           <a:p>
             <a:fld id="{E8FA3DB5-7722-3F4F-947D-12B203669AD7}" type="datetimeFigureOut">
               <a:rPr lang="en-US" smtClean="0"/>
-              <a:t>4/5/20</a:t>
+              <a:t>4/13/20</a:t>
             </a:fld>
             <a:endParaRPr lang="en-US"/>
           </a:p>
@@ -8410,7 +8410,7 @@
                   <a:schemeClr val="tx2"/>
                 </a:solidFill>
               </a:rPr>
-              <a:t>Does not modify existing TWAMP Light  (which is for DM) procedure as different UDP destination port2 is used for LM.</a:t>
+              <a:t>Does not modify existing TWAMP Light  (which is for DM) procedure as different UDP destination port2 is used for LM</a:t>
             </a:r>
           </a:p>
         </p:txBody>
@@ -8502,7 +8502,7 @@
                 <a:latin typeface="Calibri Light" panose="020F0302020204030204" pitchFamily="34" charset="0"/>
                 <a:cs typeface="Calibri Light" panose="020F0302020204030204" pitchFamily="34" charset="0"/>
               </a:rPr>
-              <a:t>ECMP Support for SR Policy</a:t>
+              <a:t>ECMP Support for SR Path</a:t>
             </a:r>
           </a:p>
         </p:txBody>
@@ -8537,7 +8537,7 @@
             </a:pPr>
             <a:r>
               <a:rPr lang="en-US" sz="1800" dirty="0"/>
-              <a:t>SR Policy can have ECMP between the ingress and transit nodes, between transit nodes and between transit and egress nodes.</a:t>
+              <a:t>SR Path can have ECMP between the ingress and transit nodes, between transit nodes and between transit and egress nodes.</a:t>
             </a:r>
           </a:p>
           <a:p>

--- a/draft-gandhi-spring-twamp-srpm-08.pptx
+++ b/draft-gandhi-spring-twamp-srpm-08.pptx
@@ -260,7 +260,7 @@
           <a:p>
             <a:fld id="{E8FA3DB5-7722-3F4F-947D-12B203669AD7}" type="datetimeFigureOut">
               <a:rPr lang="en-US" smtClean="0"/>
-              <a:t>4/13/20</a:t>
+              <a:t>4/16/20</a:t>
             </a:fld>
             <a:endParaRPr lang="en-US"/>
           </a:p>
@@ -6405,8 +6405,8 @@
         </p:nvSpPr>
         <p:spPr>
           <a:xfrm>
-            <a:off x="4191000" y="243334"/>
-            <a:ext cx="4724400" cy="2308324"/>
+            <a:off x="4267200" y="87235"/>
+            <a:ext cx="4125764" cy="2062103"/>
           </a:xfrm>
           <a:prstGeom prst="rect">
             <a:avLst/>
@@ -6425,7 +6425,7 @@
           <a:lstStyle/>
           <a:p>
             <a:r>
-              <a:rPr lang="en-US" sz="900" dirty="0">
+              <a:rPr lang="en-US" sz="800" dirty="0">
                 <a:latin typeface="Courier" charset="0"/>
                 <a:ea typeface="Courier" charset="0"/>
                 <a:cs typeface="Courier" charset="0"/>
@@ -6435,7 +6435,7 @@
           </a:p>
           <a:p>
             <a:r>
-              <a:rPr lang="en-US" sz="900" dirty="0">
+              <a:rPr lang="en-US" sz="800" dirty="0">
                 <a:latin typeface="Courier" charset="0"/>
                 <a:ea typeface="Courier" charset="0"/>
                 <a:cs typeface="Courier" charset="0"/>
@@ -6445,7 +6445,7 @@
           </a:p>
           <a:p>
             <a:r>
-              <a:rPr lang="en-US" sz="900" dirty="0">
+              <a:rPr lang="en-US" sz="800" dirty="0">
                 <a:latin typeface="Courier" charset="0"/>
                 <a:ea typeface="Courier" charset="0"/>
                 <a:cs typeface="Courier" charset="0"/>
@@ -6455,7 +6455,7 @@
           </a:p>
           <a:p>
             <a:r>
-              <a:rPr lang="en-US" sz="900" dirty="0">
+              <a:rPr lang="en-US" sz="800" dirty="0">
                 <a:latin typeface="Courier" charset="0"/>
                 <a:ea typeface="Courier" charset="0"/>
                 <a:cs typeface="Courier" charset="0"/>
@@ -6465,7 +6465,7 @@
           </a:p>
           <a:p>
             <a:r>
-              <a:rPr lang="en-US" sz="900" dirty="0">
+              <a:rPr lang="en-US" sz="800" dirty="0">
                 <a:latin typeface="Courier" charset="0"/>
                 <a:ea typeface="Courier" charset="0"/>
                 <a:cs typeface="Courier" charset="0"/>
@@ -6475,7 +6475,7 @@
           </a:p>
           <a:p>
             <a:r>
-              <a:rPr lang="en-US" sz="900" dirty="0">
+              <a:rPr lang="en-US" sz="800" dirty="0">
                 <a:latin typeface="Courier" charset="0"/>
                 <a:ea typeface="Courier" charset="0"/>
                 <a:cs typeface="Courier" charset="0"/>
@@ -6485,7 +6485,7 @@
           </a:p>
           <a:p>
             <a:r>
-              <a:rPr lang="en-US" sz="900" dirty="0">
+              <a:rPr lang="en-US" sz="800" dirty="0">
                 <a:latin typeface="Courier" charset="0"/>
                 <a:ea typeface="Courier" charset="0"/>
                 <a:cs typeface="Courier" charset="0"/>
@@ -6495,7 +6495,7 @@
           </a:p>
           <a:p>
             <a:r>
-              <a:rPr lang="en-US" sz="900" dirty="0">
+              <a:rPr lang="en-US" sz="800" dirty="0">
                 <a:latin typeface="Courier" charset="0"/>
                 <a:ea typeface="Courier" charset="0"/>
                 <a:cs typeface="Courier" charset="0"/>
@@ -6505,7 +6505,7 @@
           </a:p>
           <a:p>
             <a:r>
-              <a:rPr lang="en-US" sz="900" dirty="0">
+              <a:rPr lang="en-US" sz="800" dirty="0">
                 <a:latin typeface="Courier" charset="0"/>
                 <a:ea typeface="Courier" charset="0"/>
                 <a:cs typeface="Courier" charset="0"/>
@@ -6515,7 +6515,7 @@
           </a:p>
           <a:p>
             <a:r>
-              <a:rPr lang="en-US" sz="900" dirty="0">
+              <a:rPr lang="en-US" sz="800" dirty="0">
                 <a:latin typeface="Courier" charset="0"/>
                 <a:ea typeface="Courier" charset="0"/>
                 <a:cs typeface="Courier" charset="0"/>
@@ -6525,7 +6525,7 @@
           </a:p>
           <a:p>
             <a:r>
-              <a:rPr lang="en-US" sz="900" dirty="0">
+              <a:rPr lang="en-US" sz="800" dirty="0">
                 <a:latin typeface="Courier" charset="0"/>
                 <a:ea typeface="Courier" charset="0"/>
                 <a:cs typeface="Courier" charset="0"/>
@@ -6535,7 +6535,7 @@
           </a:p>
           <a:p>
             <a:r>
-              <a:rPr lang="en-US" sz="900" dirty="0">
+              <a:rPr lang="en-US" sz="800" dirty="0">
                 <a:latin typeface="Courier" charset="0"/>
                 <a:ea typeface="Courier" charset="0"/>
                 <a:cs typeface="Courier" charset="0"/>
@@ -6545,7 +6545,7 @@
           </a:p>
           <a:p>
             <a:r>
-              <a:rPr lang="en-US" sz="900" dirty="0">
+              <a:rPr lang="en-US" sz="800" dirty="0">
                 <a:latin typeface="Courier" charset="0"/>
                 <a:ea typeface="Courier" charset="0"/>
                 <a:cs typeface="Courier" charset="0"/>
@@ -6555,7 +6555,7 @@
           </a:p>
           <a:p>
             <a:r>
-              <a:rPr lang="en-US" sz="900" dirty="0">
+              <a:rPr lang="en-US" sz="800" dirty="0">
                 <a:latin typeface="Courier" charset="0"/>
                 <a:ea typeface="Courier" charset="0"/>
                 <a:cs typeface="Courier" charset="0"/>
@@ -6565,7 +6565,7 @@
           </a:p>
           <a:p>
             <a:r>
-              <a:rPr lang="en-US" sz="900" dirty="0">
+              <a:rPr lang="en-US" sz="800" dirty="0">
                 <a:latin typeface="Courier" charset="0"/>
                 <a:ea typeface="Courier" charset="0"/>
                 <a:cs typeface="Courier" charset="0"/>
@@ -6575,7 +6575,7 @@
           </a:p>
           <a:p>
             <a:r>
-              <a:rPr lang="en-US" sz="900" dirty="0">
+              <a:rPr lang="en-US" sz="800" dirty="0">
                 <a:latin typeface="Courier" charset="0"/>
                 <a:ea typeface="Courier" charset="0"/>
                 <a:cs typeface="Courier" charset="0"/>
@@ -6595,7 +6595,7 @@
         </p:nvSpPr>
         <p:spPr bwMode="auto">
           <a:xfrm>
-            <a:off x="228600" y="1352550"/>
+            <a:off x="228600" y="1250787"/>
             <a:ext cx="3962400" cy="2641926"/>
           </a:xfrm>
           <a:prstGeom prst="rect">
@@ -6856,8 +6856,8 @@
         </p:nvSpPr>
         <p:spPr>
           <a:xfrm>
-            <a:off x="4191000" y="2783711"/>
-            <a:ext cx="4724400" cy="1754326"/>
+            <a:off x="4267200" y="2266950"/>
+            <a:ext cx="4125764" cy="2800767"/>
           </a:xfrm>
           <a:prstGeom prst="rect">
             <a:avLst/>
@@ -6876,7 +6876,7 @@
           <a:lstStyle/>
           <a:p>
             <a:r>
-              <a:rPr lang="en-US" sz="900" dirty="0">
+              <a:rPr lang="en-US" sz="800" dirty="0">
                 <a:latin typeface="Courier" charset="0"/>
                 <a:ea typeface="Courier" charset="0"/>
                 <a:cs typeface="Courier" charset="0"/>
@@ -6886,7 +6886,7 @@
           </a:p>
           <a:p>
             <a:r>
-              <a:rPr lang="en-US" sz="900" dirty="0">
+              <a:rPr lang="en-US" sz="800" dirty="0">
                 <a:latin typeface="Courier" charset="0"/>
                 <a:ea typeface="Courier" charset="0"/>
                 <a:cs typeface="Courier" charset="0"/>
@@ -6895,28 +6895,118 @@
             </a:r>
           </a:p>
           <a:p>
-            <a:r>
-              <a:rPr lang="en-US" sz="900" dirty="0">
+            <a:pPr>
+              <a:spcAft>
+                <a:spcPts val="0"/>
+              </a:spcAft>
+            </a:pPr>
+            <a:r>
+              <a:rPr lang="en-US" sz="800" dirty="0">
+                <a:latin typeface="Courier" pitchFamily="2" charset="0"/>
+                <a:ea typeface="Courier" charset="0"/>
+                <a:cs typeface="Courier" charset="0"/>
+              </a:rPr>
+              <a:t>+---------------------------------------------------------------+</a:t>
+            </a:r>
+          </a:p>
+          <a:p>
+            <a:pPr>
+              <a:spcAft>
+                <a:spcPts val="0"/>
+              </a:spcAft>
+            </a:pPr>
+            <a:r>
+              <a:rPr lang="en-US" sz="800" dirty="0">
+                <a:latin typeface="Courier" pitchFamily="2" charset="0"/>
+                <a:ea typeface="Courier" charset="0"/>
+                <a:cs typeface="Courier" charset="0"/>
+              </a:rPr>
+              <a:t>| IP Header                                                     |</a:t>
+            </a:r>
+          </a:p>
+          <a:p>
+            <a:pPr>
+              <a:spcAft>
+                <a:spcPts val="0"/>
+              </a:spcAft>
+            </a:pPr>
+            <a:r>
+              <a:rPr lang="en-US" sz="800" dirty="0">
+                <a:latin typeface="Courier" pitchFamily="2" charset="0"/>
+                <a:ea typeface="Courier" charset="0"/>
+                <a:cs typeface="Courier" charset="0"/>
+              </a:rPr>
+              <a:t>.  Source IP Address = Sender IPv6 Address                      .</a:t>
+            </a:r>
+          </a:p>
+          <a:p>
+            <a:pPr>
+              <a:spcAft>
+                <a:spcPts val="0"/>
+              </a:spcAft>
+            </a:pPr>
+            <a:r>
+              <a:rPr lang="en-US" sz="800" dirty="0">
+                <a:latin typeface="Courier" pitchFamily="2" charset="0"/>
+                <a:ea typeface="Courier" charset="0"/>
+                <a:cs typeface="Courier" charset="0"/>
+              </a:rPr>
+              <a:t>.  Destination IP Address = Reflector IPv6 Address              .</a:t>
+            </a:r>
+          </a:p>
+          <a:p>
+            <a:pPr>
+              <a:spcAft>
+                <a:spcPts val="0"/>
+              </a:spcAft>
+            </a:pPr>
+            <a:r>
+              <a:rPr lang="en-US" sz="800" dirty="0">
+                <a:latin typeface="Courier" pitchFamily="2" charset="0"/>
+                <a:ea typeface="Courier" charset="0"/>
+                <a:cs typeface="Courier" charset="0"/>
+              </a:rPr>
+              <a:t>.                                                               .</a:t>
+            </a:r>
+          </a:p>
+          <a:p>
+            <a:pPr>
+              <a:spcAft>
+                <a:spcPts val="0"/>
+              </a:spcAft>
+            </a:pPr>
+            <a:r>
+              <a:rPr lang="en-US" sz="800" dirty="0">
+                <a:latin typeface="Courier" pitchFamily="2" charset="0"/>
+                <a:ea typeface="Courier" charset="0"/>
+                <a:cs typeface="Courier" charset="0"/>
+              </a:rPr>
+              <a:t>+---------------------------------------------------------------+</a:t>
+            </a:r>
+          </a:p>
+          <a:p>
+            <a:r>
+              <a:rPr lang="en-US" sz="800" dirty="0">
                 <a:latin typeface="Courier" charset="0"/>
                 <a:ea typeface="Courier" charset="0"/>
                 <a:cs typeface="Courier" charset="0"/>
               </a:rPr>
-              <a:t>+-+-+-+-+-+-+-+-+-+-+-+-+-+-+-+-+-+-+-+-+-+-+-+-+-+-+-+-+-+-+-+-+</a:t>
-            </a:r>
-          </a:p>
-          <a:p>
-            <a:r>
-              <a:rPr lang="en-US" sz="900" dirty="0">
+              <a:t>| SRH                                                           |</a:t>
+            </a:r>
+          </a:p>
+          <a:p>
+            <a:r>
+              <a:rPr lang="en-US" sz="800" dirty="0">
                 <a:latin typeface="Courier" charset="0"/>
                 <a:ea typeface="Courier" charset="0"/>
                 <a:cs typeface="Courier" charset="0"/>
               </a:rPr>
-              <a:t>|                           SRH                                 |</a:t>
-            </a:r>
-          </a:p>
-          <a:p>
-            <a:r>
-              <a:rPr lang="en-US" sz="900" dirty="0">
+              <a:t>. &lt;SID List&gt;                                                    .</a:t>
+            </a:r>
+          </a:p>
+          <a:p>
+            <a:r>
+              <a:rPr lang="en-US" sz="800" dirty="0">
                 <a:latin typeface="Courier" charset="0"/>
                 <a:ea typeface="Courier" charset="0"/>
                 <a:cs typeface="Courier" charset="0"/>
@@ -6925,8 +7015,102 @@
             </a:r>
           </a:p>
           <a:p>
-            <a:r>
-              <a:rPr lang="en-US" sz="900" dirty="0">
+            <a:pPr>
+              <a:spcAft>
+                <a:spcPts val="0"/>
+              </a:spcAft>
+            </a:pPr>
+            <a:r>
+              <a:rPr lang="en-US" sz="800" dirty="0">
+                <a:latin typeface="Courier" pitchFamily="2" charset="0"/>
+                <a:ea typeface="Courier" charset="0"/>
+                <a:cs typeface="Courier" charset="0"/>
+              </a:rPr>
+              <a:t>+---------------------------------------------------------------+</a:t>
+            </a:r>
+          </a:p>
+          <a:p>
+            <a:pPr>
+              <a:spcAft>
+                <a:spcPts val="0"/>
+              </a:spcAft>
+            </a:pPr>
+            <a:r>
+              <a:rPr lang="en-US" sz="800" dirty="0">
+                <a:latin typeface="Courier" pitchFamily="2" charset="0"/>
+                <a:ea typeface="Courier" charset="0"/>
+                <a:cs typeface="Courier" charset="0"/>
+              </a:rPr>
+              <a:t>| UDP Header                                                    |</a:t>
+            </a:r>
+          </a:p>
+          <a:p>
+            <a:pPr>
+              <a:spcAft>
+                <a:spcPts val="0"/>
+              </a:spcAft>
+            </a:pPr>
+            <a:r>
+              <a:rPr lang="en-US" sz="800" dirty="0">
+                <a:latin typeface="Courier" pitchFamily="2" charset="0"/>
+                <a:ea typeface="Courier" charset="0"/>
+                <a:cs typeface="Courier" charset="0"/>
+              </a:rPr>
+              <a:t>.  Source Port = As chosen by Sender                            .</a:t>
+            </a:r>
+          </a:p>
+          <a:p>
+            <a:pPr>
+              <a:spcAft>
+                <a:spcPts val="0"/>
+              </a:spcAft>
+            </a:pPr>
+            <a:r>
+              <a:rPr lang="en-US" sz="800" dirty="0">
+                <a:latin typeface="Courier" pitchFamily="2" charset="0"/>
+                <a:ea typeface="Courier" charset="0"/>
+                <a:cs typeface="Courier" charset="0"/>
+              </a:rPr>
+              <a:t>.  Destination Port = </a:t>
+            </a:r>
+            <a:r>
+              <a:rPr lang="en-US" sz="800" dirty="0">
+                <a:solidFill>
+                  <a:srgbClr val="0070C0"/>
+                </a:solidFill>
+                <a:latin typeface="Courier" pitchFamily="2" charset="0"/>
+                <a:ea typeface="Courier" charset="0"/>
+                <a:cs typeface="Courier" charset="0"/>
+              </a:rPr>
+              <a:t>User-configured Port                      </a:t>
+            </a:r>
+            <a:r>
+              <a:rPr lang="en-US" sz="800" dirty="0">
+                <a:latin typeface="Courier" pitchFamily="2" charset="0"/>
+                <a:ea typeface="Courier" charset="0"/>
+                <a:cs typeface="Courier" charset="0"/>
+              </a:rPr>
+              <a:t>.</a:t>
+            </a:r>
+          </a:p>
+          <a:p>
+            <a:pPr>
+              <a:spcAft>
+                <a:spcPts val="0"/>
+              </a:spcAft>
+            </a:pPr>
+            <a:r>
+              <a:rPr lang="en-US" sz="800" dirty="0">
+                <a:latin typeface="Courier" pitchFamily="2" charset="0"/>
+                <a:ea typeface="Courier" charset="0"/>
+                <a:cs typeface="Courier" charset="0"/>
+              </a:rPr>
+              <a:t>.                                                               .</a:t>
+            </a:r>
+          </a:p>
+          <a:p>
+            <a:r>
+              <a:rPr lang="en-US" sz="800" dirty="0">
                 <a:latin typeface="Courier" charset="0"/>
                 <a:ea typeface="Courier" charset="0"/>
                 <a:cs typeface="Courier" charset="0"/>
@@ -6936,57 +7120,47 @@
           </a:p>
           <a:p>
             <a:r>
-              <a:rPr lang="en-US" sz="900" dirty="0">
+              <a:rPr lang="en-US" sz="800" dirty="0">
                 <a:latin typeface="Courier" charset="0"/>
                 <a:ea typeface="Courier" charset="0"/>
                 <a:cs typeface="Courier" charset="0"/>
               </a:rPr>
-              <a:t>|   Message for DM or LM Query                                  |</a:t>
-            </a:r>
-          </a:p>
-          <a:p>
-            <a:r>
-              <a:rPr lang="en-US" sz="900" dirty="0">
+              <a:t>|   Payload for DM or LM Query                                  |</a:t>
+            </a:r>
+          </a:p>
+          <a:p>
+            <a:r>
+              <a:rPr lang="en-US" sz="800" dirty="0">
                 <a:latin typeface="Courier" charset="0"/>
                 <a:ea typeface="Courier" charset="0"/>
                 <a:cs typeface="Courier" charset="0"/>
               </a:rPr>
-              <a:t>.   (Using IPv6 Addresses)                                      .</a:t>
-            </a:r>
-          </a:p>
-          <a:p>
-            <a:r>
-              <a:rPr lang="en-US" sz="900" dirty="0">
+              <a:t>.                                                               .</a:t>
+            </a:r>
+          </a:p>
+          <a:p>
+            <a:r>
+              <a:rPr lang="en-US" sz="800" dirty="0">
                 <a:latin typeface="Courier" charset="0"/>
                 <a:ea typeface="Courier" charset="0"/>
                 <a:cs typeface="Courier" charset="0"/>
               </a:rPr>
-              <a:t>.                                                               .</a:t>
-            </a:r>
-          </a:p>
-          <a:p>
-            <a:r>
-              <a:rPr lang="en-US" sz="900" dirty="0">
+              <a:t>+---------------------------------------------------------------+</a:t>
+            </a:r>
+          </a:p>
+          <a:p>
+            <a:r>
+              <a:rPr lang="en-US" sz="800" dirty="0">
                 <a:latin typeface="Courier" charset="0"/>
                 <a:ea typeface="Courier" charset="0"/>
                 <a:cs typeface="Courier" charset="0"/>
               </a:rPr>
-              <a:t>+---------------------------------------------------------------+</a:t>
-            </a:r>
-          </a:p>
-          <a:p>
-            <a:r>
-              <a:rPr lang="en-US" sz="900" dirty="0">
-                <a:latin typeface="Courier" charset="0"/>
-                <a:ea typeface="Courier" charset="0"/>
-                <a:cs typeface="Courier" charset="0"/>
-              </a:rPr>
               <a:t> </a:t>
             </a:r>
           </a:p>
           <a:p>
             <a:r>
-              <a:rPr lang="en-US" sz="900" dirty="0">
+              <a:rPr lang="en-US" sz="800" dirty="0">
                 <a:latin typeface="Courier" charset="0"/>
                 <a:ea typeface="Courier" charset="0"/>
                 <a:cs typeface="Courier" charset="0"/>
@@ -7459,7 +7633,7 @@
         <p:spPr>
           <a:xfrm>
             <a:off x="4724400" y="237697"/>
-            <a:ext cx="4191000" cy="4524315"/>
+            <a:ext cx="4128052" cy="4401205"/>
           </a:xfrm>
           <a:prstGeom prst="rect">
             <a:avLst/>
@@ -8621,7 +8795,7 @@
             </a:pPr>
             <a:r>
               <a:rPr lang="en-US" sz="1800" dirty="0"/>
-              <a:t>Destination addresses in IPv6 header (e.g. FFFF:7F00/104)</a:t>
+              <a:t>Destination addresses in IPv6 header (e.g. FFFF:127/104)</a:t>
             </a:r>
           </a:p>
           <a:p>

--- a/draft-gandhi-spring-twamp-srpm-08.pptx
+++ b/draft-gandhi-spring-twamp-srpm-08.pptx
@@ -6540,7 +6540,7 @@
                 <a:ea typeface="Courier" charset="0"/>
                 <a:cs typeface="Courier" charset="0"/>
               </a:rPr>
-              <a:t>|   Message for DM or LM Query                                  |</a:t>
+              <a:t>|   Message for DM or LM Query with IP/UDP Header               |</a:t>
             </a:r>
           </a:p>
           <a:p>
@@ -7125,7 +7125,7 @@
                 <a:ea typeface="Courier" charset="0"/>
                 <a:cs typeface="Courier" charset="0"/>
               </a:rPr>
-              <a:t>|   Payload for DM or LM Query                                  |</a:t>
+              <a:t>|   Message for DM or LM Query                                  |</a:t>
             </a:r>
           </a:p>
           <a:p>

--- a/draft-gandhi-spring-twamp-srpm-08.pptx
+++ b/draft-gandhi-spring-twamp-srpm-08.pptx
@@ -6406,7 +6406,7 @@
         <p:spPr>
           <a:xfrm>
             <a:off x="4267200" y="87235"/>
-            <a:ext cx="4125764" cy="2062103"/>
+            <a:ext cx="4125764" cy="1938992"/>
           </a:xfrm>
           <a:prstGeom prst="rect">
             <a:avLst/>
@@ -6425,7 +6425,7 @@
           <a:lstStyle/>
           <a:p>
             <a:r>
-              <a:rPr lang="en-US" sz="800" dirty="0">
+              <a:rPr lang="en-US" sz="750" dirty="0">
                 <a:latin typeface="Courier" charset="0"/>
                 <a:ea typeface="Courier" charset="0"/>
                 <a:cs typeface="Courier" charset="0"/>
@@ -6435,7 +6435,7 @@
           </a:p>
           <a:p>
             <a:r>
-              <a:rPr lang="en-US" sz="800" dirty="0">
+              <a:rPr lang="en-US" sz="750" dirty="0">
                 <a:latin typeface="Courier" charset="0"/>
                 <a:ea typeface="Courier" charset="0"/>
                 <a:cs typeface="Courier" charset="0"/>
@@ -6445,7 +6445,7 @@
           </a:p>
           <a:p>
             <a:r>
-              <a:rPr lang="en-US" sz="800" dirty="0">
+              <a:rPr lang="en-US" sz="750" dirty="0">
                 <a:latin typeface="Courier" charset="0"/>
                 <a:ea typeface="Courier" charset="0"/>
                 <a:cs typeface="Courier" charset="0"/>
@@ -6455,7 +6455,7 @@
           </a:p>
           <a:p>
             <a:r>
-              <a:rPr lang="en-US" sz="800" dirty="0">
+              <a:rPr lang="en-US" sz="750" dirty="0">
                 <a:latin typeface="Courier" charset="0"/>
                 <a:ea typeface="Courier" charset="0"/>
                 <a:cs typeface="Courier" charset="0"/>
@@ -6465,7 +6465,7 @@
           </a:p>
           <a:p>
             <a:r>
-              <a:rPr lang="en-US" sz="800" dirty="0">
+              <a:rPr lang="en-US" sz="750" dirty="0">
                 <a:latin typeface="Courier" charset="0"/>
                 <a:ea typeface="Courier" charset="0"/>
                 <a:cs typeface="Courier" charset="0"/>
@@ -6475,7 +6475,7 @@
           </a:p>
           <a:p>
             <a:r>
-              <a:rPr lang="en-US" sz="800" dirty="0">
+              <a:rPr lang="en-US" sz="750" dirty="0">
                 <a:latin typeface="Courier" charset="0"/>
                 <a:ea typeface="Courier" charset="0"/>
                 <a:cs typeface="Courier" charset="0"/>
@@ -6485,7 +6485,7 @@
           </a:p>
           <a:p>
             <a:r>
-              <a:rPr lang="en-US" sz="800" dirty="0">
+              <a:rPr lang="en-US" sz="750" dirty="0">
                 <a:latin typeface="Courier" charset="0"/>
                 <a:ea typeface="Courier" charset="0"/>
                 <a:cs typeface="Courier" charset="0"/>
@@ -6495,7 +6495,7 @@
           </a:p>
           <a:p>
             <a:r>
-              <a:rPr lang="en-US" sz="800" dirty="0">
+              <a:rPr lang="en-US" sz="750" dirty="0">
                 <a:latin typeface="Courier" charset="0"/>
                 <a:ea typeface="Courier" charset="0"/>
                 <a:cs typeface="Courier" charset="0"/>
@@ -6505,7 +6505,7 @@
           </a:p>
           <a:p>
             <a:r>
-              <a:rPr lang="en-US" sz="800" dirty="0">
+              <a:rPr lang="en-US" sz="750" dirty="0">
                 <a:latin typeface="Courier" charset="0"/>
                 <a:ea typeface="Courier" charset="0"/>
                 <a:cs typeface="Courier" charset="0"/>
@@ -6515,7 +6515,7 @@
           </a:p>
           <a:p>
             <a:r>
-              <a:rPr lang="en-US" sz="800" dirty="0">
+              <a:rPr lang="en-US" sz="750" dirty="0">
                 <a:latin typeface="Courier" charset="0"/>
                 <a:ea typeface="Courier" charset="0"/>
                 <a:cs typeface="Courier" charset="0"/>
@@ -6525,7 +6525,7 @@
           </a:p>
           <a:p>
             <a:r>
-              <a:rPr lang="en-US" sz="800" dirty="0">
+              <a:rPr lang="en-US" sz="750" dirty="0">
                 <a:latin typeface="Courier" charset="0"/>
                 <a:ea typeface="Courier" charset="0"/>
                 <a:cs typeface="Courier" charset="0"/>
@@ -6535,7 +6535,7 @@
           </a:p>
           <a:p>
             <a:r>
-              <a:rPr lang="en-US" sz="800" dirty="0">
+              <a:rPr lang="en-US" sz="750" dirty="0">
                 <a:latin typeface="Courier" charset="0"/>
                 <a:ea typeface="Courier" charset="0"/>
                 <a:cs typeface="Courier" charset="0"/>
@@ -6545,7 +6545,7 @@
           </a:p>
           <a:p>
             <a:r>
-              <a:rPr lang="en-US" sz="800" dirty="0">
+              <a:rPr lang="en-US" sz="750" dirty="0">
                 <a:latin typeface="Courier" charset="0"/>
                 <a:ea typeface="Courier" charset="0"/>
                 <a:cs typeface="Courier" charset="0"/>
@@ -6555,7 +6555,7 @@
           </a:p>
           <a:p>
             <a:r>
-              <a:rPr lang="en-US" sz="800" dirty="0">
+              <a:rPr lang="en-US" sz="750" dirty="0">
                 <a:latin typeface="Courier" charset="0"/>
                 <a:ea typeface="Courier" charset="0"/>
                 <a:cs typeface="Courier" charset="0"/>
@@ -6565,7 +6565,7 @@
           </a:p>
           <a:p>
             <a:r>
-              <a:rPr lang="en-US" sz="800" dirty="0">
+              <a:rPr lang="en-US" sz="750" dirty="0">
                 <a:latin typeface="Courier" charset="0"/>
                 <a:ea typeface="Courier" charset="0"/>
                 <a:cs typeface="Courier" charset="0"/>
@@ -6575,12 +6575,12 @@
           </a:p>
           <a:p>
             <a:r>
-              <a:rPr lang="en-US" sz="800" dirty="0">
+              <a:rPr lang="en-US" sz="750" dirty="0">
                 <a:latin typeface="Courier" charset="0"/>
                 <a:ea typeface="Courier" charset="0"/>
                 <a:cs typeface="Courier" charset="0"/>
               </a:rPr>
-              <a:t>         Figure: Probe Query Message for SR-MPLS Policy</a:t>
+              <a:t>     Figure: Example Probe Query Message for SR-MPLS Policy</a:t>
             </a:r>
           </a:p>
         </p:txBody>
@@ -6856,8 +6856,8 @@
         </p:nvSpPr>
         <p:spPr>
           <a:xfrm>
-            <a:off x="4267200" y="2266950"/>
-            <a:ext cx="4125764" cy="2800767"/>
+            <a:off x="4267200" y="2105737"/>
+            <a:ext cx="4125764" cy="2862322"/>
           </a:xfrm>
           <a:prstGeom prst="rect">
             <a:avLst/>
@@ -6876,7 +6876,7 @@
           <a:lstStyle/>
           <a:p>
             <a:r>
-              <a:rPr lang="en-US" sz="800" dirty="0">
+              <a:rPr lang="en-US" sz="750" dirty="0">
                 <a:latin typeface="Courier" charset="0"/>
                 <a:ea typeface="Courier" charset="0"/>
                 <a:cs typeface="Courier" charset="0"/>
@@ -6886,7 +6886,7 @@
           </a:p>
           <a:p>
             <a:r>
-              <a:rPr lang="en-US" sz="800" dirty="0">
+              <a:rPr lang="en-US" sz="750" dirty="0">
                 <a:latin typeface="Courier" charset="0"/>
                 <a:ea typeface="Courier" charset="0"/>
                 <a:cs typeface="Courier" charset="0"/>
@@ -6901,7 +6901,7 @@
               </a:spcAft>
             </a:pPr>
             <a:r>
-              <a:rPr lang="en-US" sz="800" dirty="0">
+              <a:rPr lang="en-US" sz="750" dirty="0">
                 <a:latin typeface="Courier" pitchFamily="2" charset="0"/>
                 <a:ea typeface="Courier" charset="0"/>
                 <a:cs typeface="Courier" charset="0"/>
@@ -6916,7 +6916,7 @@
               </a:spcAft>
             </a:pPr>
             <a:r>
-              <a:rPr lang="en-US" sz="800" dirty="0">
+              <a:rPr lang="en-US" sz="750" dirty="0">
                 <a:latin typeface="Courier" pitchFamily="2" charset="0"/>
                 <a:ea typeface="Courier" charset="0"/>
                 <a:cs typeface="Courier" charset="0"/>
@@ -6931,7 +6931,7 @@
               </a:spcAft>
             </a:pPr>
             <a:r>
-              <a:rPr lang="en-US" sz="800" dirty="0">
+              <a:rPr lang="en-US" sz="750" dirty="0">
                 <a:latin typeface="Courier" pitchFamily="2" charset="0"/>
                 <a:ea typeface="Courier" charset="0"/>
                 <a:cs typeface="Courier" charset="0"/>
@@ -6946,7 +6946,7 @@
               </a:spcAft>
             </a:pPr>
             <a:r>
-              <a:rPr lang="en-US" sz="800" dirty="0">
+              <a:rPr lang="en-US" sz="750" dirty="0">
                 <a:latin typeface="Courier" pitchFamily="2" charset="0"/>
                 <a:ea typeface="Courier" charset="0"/>
                 <a:cs typeface="Courier" charset="0"/>
@@ -6961,13 +6961,16 @@
               </a:spcAft>
             </a:pPr>
             <a:r>
-              <a:rPr lang="en-US" sz="800" dirty="0">
-                <a:latin typeface="Courier" pitchFamily="2" charset="0"/>
-                <a:ea typeface="Courier" charset="0"/>
-                <a:cs typeface="Courier" charset="0"/>
-              </a:rPr>
-              <a:t>.                                                               .</a:t>
-            </a:r>
+              <a:rPr lang="en-CA" sz="750" dirty="0">
+                <a:latin typeface="Courier" pitchFamily="2" charset="0"/>
+              </a:rPr>
+              <a:t>.  Next Header = 43 (Routing Header)                            .</a:t>
+            </a:r>
+            <a:endParaRPr lang="en-US" sz="750" dirty="0">
+              <a:latin typeface="Courier" pitchFamily="2" charset="0"/>
+              <a:ea typeface="Courier" charset="0"/>
+              <a:cs typeface="Courier" charset="0"/>
+            </a:endParaRPr>
           </a:p>
           <a:p>
             <a:pPr>
@@ -6976,17 +6979,32 @@
               </a:spcAft>
             </a:pPr>
             <a:r>
-              <a:rPr lang="en-US" sz="800" dirty="0">
+              <a:rPr lang="en-US" sz="750" dirty="0">
                 <a:latin typeface="Courier" pitchFamily="2" charset="0"/>
                 <a:ea typeface="Courier" charset="0"/>
                 <a:cs typeface="Courier" charset="0"/>
               </a:rPr>
+              <a:t>.                                                               .</a:t>
+            </a:r>
+          </a:p>
+          <a:p>
+            <a:pPr>
+              <a:spcAft>
+                <a:spcPts val="0"/>
+              </a:spcAft>
+            </a:pPr>
+            <a:r>
+              <a:rPr lang="en-US" sz="750" dirty="0">
+                <a:latin typeface="Courier" pitchFamily="2" charset="0"/>
+                <a:ea typeface="Courier" charset="0"/>
+                <a:cs typeface="Courier" charset="0"/>
+              </a:rPr>
               <a:t>+---------------------------------------------------------------+</a:t>
             </a:r>
           </a:p>
           <a:p>
             <a:r>
-              <a:rPr lang="en-US" sz="800" dirty="0">
+              <a:rPr lang="en-US" sz="750" dirty="0">
                 <a:latin typeface="Courier" charset="0"/>
                 <a:ea typeface="Courier" charset="0"/>
                 <a:cs typeface="Courier" charset="0"/>
@@ -6996,7 +7014,7 @@
           </a:p>
           <a:p>
             <a:r>
-              <a:rPr lang="en-US" sz="800" dirty="0">
+              <a:rPr lang="en-US" sz="750" dirty="0">
                 <a:latin typeface="Courier" charset="0"/>
                 <a:ea typeface="Courier" charset="0"/>
                 <a:cs typeface="Courier" charset="0"/>
@@ -7006,7 +7024,15 @@
           </a:p>
           <a:p>
             <a:r>
-              <a:rPr lang="en-US" sz="800" dirty="0">
+              <a:rPr lang="en-CA" sz="750" dirty="0">
+                <a:latin typeface="Courier" pitchFamily="2" charset="0"/>
+              </a:rPr>
+              <a:t>.  Next Header = 17 (UDP)                                      .</a:t>
+            </a:r>
+          </a:p>
+          <a:p>
+            <a:r>
+              <a:rPr lang="en-US" sz="750" dirty="0">
                 <a:latin typeface="Courier" charset="0"/>
                 <a:ea typeface="Courier" charset="0"/>
                 <a:cs typeface="Courier" charset="0"/>
@@ -7021,7 +7047,7 @@
               </a:spcAft>
             </a:pPr>
             <a:r>
-              <a:rPr lang="en-US" sz="800" dirty="0">
+              <a:rPr lang="en-US" sz="750" dirty="0">
                 <a:latin typeface="Courier" pitchFamily="2" charset="0"/>
                 <a:ea typeface="Courier" charset="0"/>
                 <a:cs typeface="Courier" charset="0"/>
@@ -7036,7 +7062,7 @@
               </a:spcAft>
             </a:pPr>
             <a:r>
-              <a:rPr lang="en-US" sz="800" dirty="0">
+              <a:rPr lang="en-US" sz="750" dirty="0">
                 <a:latin typeface="Courier" pitchFamily="2" charset="0"/>
                 <a:ea typeface="Courier" charset="0"/>
                 <a:cs typeface="Courier" charset="0"/>
@@ -7051,7 +7077,7 @@
               </a:spcAft>
             </a:pPr>
             <a:r>
-              <a:rPr lang="en-US" sz="800" dirty="0">
+              <a:rPr lang="en-US" sz="750" dirty="0">
                 <a:latin typeface="Courier" pitchFamily="2" charset="0"/>
                 <a:ea typeface="Courier" charset="0"/>
                 <a:cs typeface="Courier" charset="0"/>
@@ -7066,7 +7092,7 @@
               </a:spcAft>
             </a:pPr>
             <a:r>
-              <a:rPr lang="en-US" sz="800" dirty="0">
+              <a:rPr lang="en-US" sz="750" dirty="0">
                 <a:latin typeface="Courier" pitchFamily="2" charset="0"/>
                 <a:ea typeface="Courier" charset="0"/>
                 <a:cs typeface="Courier" charset="0"/>
@@ -7074,7 +7100,7 @@
               <a:t>.  Destination Port = </a:t>
             </a:r>
             <a:r>
-              <a:rPr lang="en-US" sz="800" dirty="0">
+              <a:rPr lang="en-US" sz="750" dirty="0">
                 <a:solidFill>
                   <a:srgbClr val="0070C0"/>
                 </a:solidFill>
@@ -7085,7 +7111,7 @@
               <a:t>User-configured Port                      </a:t>
             </a:r>
             <a:r>
-              <a:rPr lang="en-US" sz="800" dirty="0">
+              <a:rPr lang="en-US" sz="750" dirty="0">
                 <a:latin typeface="Courier" pitchFamily="2" charset="0"/>
                 <a:ea typeface="Courier" charset="0"/>
                 <a:cs typeface="Courier" charset="0"/>
@@ -7100,7 +7126,7 @@
               </a:spcAft>
             </a:pPr>
             <a:r>
-              <a:rPr lang="en-US" sz="800" dirty="0">
+              <a:rPr lang="en-US" sz="750" dirty="0">
                 <a:latin typeface="Courier" pitchFamily="2" charset="0"/>
                 <a:ea typeface="Courier" charset="0"/>
                 <a:cs typeface="Courier" charset="0"/>
@@ -7110,7 +7136,7 @@
           </a:p>
           <a:p>
             <a:r>
-              <a:rPr lang="en-US" sz="800" dirty="0">
+              <a:rPr lang="en-US" sz="750" dirty="0">
                 <a:latin typeface="Courier" charset="0"/>
                 <a:ea typeface="Courier" charset="0"/>
                 <a:cs typeface="Courier" charset="0"/>
@@ -7120,7 +7146,7 @@
           </a:p>
           <a:p>
             <a:r>
-              <a:rPr lang="en-US" sz="800" dirty="0">
+              <a:rPr lang="en-US" sz="750" dirty="0">
                 <a:latin typeface="Courier" charset="0"/>
                 <a:ea typeface="Courier" charset="0"/>
                 <a:cs typeface="Courier" charset="0"/>
@@ -7130,7 +7156,7 @@
           </a:p>
           <a:p>
             <a:r>
-              <a:rPr lang="en-US" sz="800" dirty="0">
+              <a:rPr lang="en-US" sz="750" dirty="0">
                 <a:latin typeface="Courier" charset="0"/>
                 <a:ea typeface="Courier" charset="0"/>
                 <a:cs typeface="Courier" charset="0"/>
@@ -7140,7 +7166,7 @@
           </a:p>
           <a:p>
             <a:r>
-              <a:rPr lang="en-US" sz="800" dirty="0">
+              <a:rPr lang="en-US" sz="750" dirty="0">
                 <a:latin typeface="Courier" charset="0"/>
                 <a:ea typeface="Courier" charset="0"/>
                 <a:cs typeface="Courier" charset="0"/>
@@ -7150,7 +7176,7 @@
           </a:p>
           <a:p>
             <a:r>
-              <a:rPr lang="en-US" sz="800" dirty="0">
+              <a:rPr lang="en-US" sz="750" dirty="0">
                 <a:latin typeface="Courier" charset="0"/>
                 <a:ea typeface="Courier" charset="0"/>
                 <a:cs typeface="Courier" charset="0"/>
@@ -7160,12 +7186,12 @@
           </a:p>
           <a:p>
             <a:r>
-              <a:rPr lang="en-US" sz="800" dirty="0">
+              <a:rPr lang="en-US" sz="750" dirty="0">
                 <a:latin typeface="Courier" charset="0"/>
                 <a:ea typeface="Courier" charset="0"/>
                 <a:cs typeface="Courier" charset="0"/>
               </a:rPr>
-              <a:t>          Figure: Probe Query Message for SRv6 Policy</a:t>
+              <a:t>       Figure: Example Probe Query Message for SRv6 Policy</a:t>
             </a:r>
           </a:p>
         </p:txBody>
